--- a/semaine2/CO12AL-W2-VIDEO03-SLIDE01.pptx
+++ b/semaine2/CO12AL-W2-VIDEO03-SLIDE01.pptx
@@ -16,7 +16,7 @@
     <p:sldId id="902" r:id="rId4"/>
     <p:sldId id="903" r:id="rId5"/>
   </p:sldIdLst>
-  <p:sldSz cx="9144000" cy="6858000" type="screen4x3"/>
+  <p:sldSz cx="12192000" cy="6858000"/>
   <p:notesSz cx="7099300" cy="10234613"/>
   <p:defaultTextStyle>
     <a:defPPr>
@@ -158,12 +158,12 @@
     </p:ext>
     <p:ext uri="{EFAFB233-063F-42B5-8137-9DF3F51BA10A}">
       <p15:sldGuideLst xmlns:p15="http://schemas.microsoft.com/office/powerpoint/2012/main">
-        <p15:guide id="1" orient="horz" pos="2160">
+        <p15:guide id="1" orient="horz" pos="2160" userDrawn="1">
           <p15:clr>
             <a:srgbClr val="A4A3A4"/>
           </p15:clr>
         </p15:guide>
-        <p15:guide id="2" pos="2880">
+        <p15:guide id="2" pos="3840" userDrawn="1">
           <p15:clr>
             <a:srgbClr val="A4A3A4"/>
           </p15:clr>
@@ -566,8 +566,8 @@
         </p:nvSpPr>
         <p:spPr bwMode="auto">
           <a:xfrm>
-            <a:off x="992188" y="768350"/>
-            <a:ext cx="5116512" cy="3836988"/>
+            <a:off x="141288" y="768350"/>
+            <a:ext cx="6818312" cy="3836988"/>
           </a:xfrm>
           <a:prstGeom prst="rect">
             <a:avLst/>
@@ -934,7 +934,12 @@
             <p:ph type="sldImg"/>
           </p:nvPr>
         </p:nvSpPr>
-        <p:spPr/>
+        <p:spPr>
+          <a:xfrm>
+            <a:off x="141288" y="768350"/>
+            <a:ext cx="6818312" cy="3836988"/>
+          </a:xfrm>
+        </p:spPr>
       </p:sp>
       <p:sp>
         <p:nvSpPr>
@@ -1044,7 +1049,12 @@
             <p:ph type="sldImg"/>
           </p:nvPr>
         </p:nvSpPr>
-        <p:spPr/>
+        <p:spPr>
+          <a:xfrm>
+            <a:off x="141288" y="768350"/>
+            <a:ext cx="6818312" cy="3836988"/>
+          </a:xfrm>
+        </p:spPr>
       </p:sp>
       <p:sp>
         <p:nvSpPr>
@@ -1134,7 +1144,12 @@
             <p:ph type="sldImg"/>
           </p:nvPr>
         </p:nvSpPr>
-        <p:spPr/>
+        <p:spPr>
+          <a:xfrm>
+            <a:off x="141288" y="768350"/>
+            <a:ext cx="6818312" cy="3836988"/>
+          </a:xfrm>
+        </p:spPr>
       </p:sp>
       <p:sp>
         <p:nvSpPr>
@@ -1224,7 +1239,12 @@
             <p:ph type="sldImg"/>
           </p:nvPr>
         </p:nvSpPr>
-        <p:spPr/>
+        <p:spPr>
+          <a:xfrm>
+            <a:off x="141288" y="768350"/>
+            <a:ext cx="6818312" cy="3836988"/>
+          </a:xfrm>
+        </p:spPr>
       </p:sp>
       <p:sp>
         <p:nvSpPr>
@@ -1335,8 +1355,8 @@
         </p:nvSpPr>
         <p:spPr>
           <a:xfrm>
-            <a:off x="685800" y="1219200"/>
-            <a:ext cx="7772400" cy="1470025"/>
+            <a:off x="914400" y="1219201"/>
+            <a:ext cx="10363200" cy="1470025"/>
           </a:xfrm>
         </p:spPr>
         <p:txBody>
@@ -1366,8 +1386,8 @@
         </p:nvSpPr>
         <p:spPr>
           <a:xfrm>
-            <a:off x="1295400" y="3048000"/>
-            <a:ext cx="6400800" cy="1752600"/>
+            <a:off x="1727200" y="3048000"/>
+            <a:ext cx="8534400" cy="1752600"/>
           </a:xfrm>
         </p:spPr>
         <p:txBody>
@@ -1399,8 +1419,8 @@
         </p:nvSpPr>
         <p:spPr>
           <a:xfrm>
-            <a:off x="457200" y="6248400"/>
-            <a:ext cx="2895600" cy="476250"/>
+            <a:off x="609600" y="6248400"/>
+            <a:ext cx="3860800" cy="476250"/>
           </a:xfrm>
         </p:spPr>
         <p:txBody>
@@ -1438,8 +1458,8 @@
         </p:nvSpPr>
         <p:spPr>
           <a:xfrm>
-            <a:off x="6553200" y="6245225"/>
-            <a:ext cx="2133600" cy="476250"/>
+            <a:off x="8737600" y="6245225"/>
+            <a:ext cx="2844800" cy="476250"/>
           </a:xfrm>
         </p:spPr>
         <p:txBody>
@@ -1682,8 +1702,8 @@
         </p:nvSpPr>
         <p:spPr>
           <a:xfrm>
-            <a:off x="6629400" y="274638"/>
-            <a:ext cx="2057400" cy="5851525"/>
+            <a:off x="8839200" y="274639"/>
+            <a:ext cx="2743200" cy="5851525"/>
           </a:xfrm>
         </p:spPr>
         <p:txBody>
@@ -1710,8 +1730,8 @@
         </p:nvSpPr>
         <p:spPr>
           <a:xfrm>
-            <a:off x="457200" y="274638"/>
-            <a:ext cx="6019800" cy="5851525"/>
+            <a:off x="609600" y="274639"/>
+            <a:ext cx="8026400" cy="5851525"/>
           </a:xfrm>
         </p:spPr>
         <p:txBody>
@@ -1864,8 +1884,8 @@
         </p:nvSpPr>
         <p:spPr>
           <a:xfrm>
-            <a:off x="457200" y="274638"/>
-            <a:ext cx="8229600" cy="1143000"/>
+            <a:off x="609600" y="274638"/>
+            <a:ext cx="10972800" cy="1143000"/>
           </a:xfrm>
         </p:spPr>
         <p:txBody>
@@ -1892,8 +1912,8 @@
         </p:nvSpPr>
         <p:spPr>
           <a:xfrm>
-            <a:off x="457200" y="1600200"/>
-            <a:ext cx="4038600" cy="4525963"/>
+            <a:off x="609600" y="1600201"/>
+            <a:ext cx="5384800" cy="4525963"/>
           </a:xfrm>
         </p:spPr>
         <p:txBody>
@@ -1949,8 +1969,8 @@
         </p:nvSpPr>
         <p:spPr>
           <a:xfrm>
-            <a:off x="4648200" y="1600200"/>
-            <a:ext cx="4038600" cy="4525963"/>
+            <a:off x="6197600" y="1600201"/>
+            <a:ext cx="5384800" cy="4525963"/>
           </a:xfrm>
         </p:spPr>
         <p:txBody>
@@ -2282,8 +2302,8 @@
         </p:nvSpPr>
         <p:spPr>
           <a:xfrm>
-            <a:off x="722313" y="4406900"/>
-            <a:ext cx="7772400" cy="1362075"/>
+            <a:off x="963084" y="4406901"/>
+            <a:ext cx="10363200" cy="1362075"/>
           </a:xfrm>
         </p:spPr>
         <p:txBody>
@@ -2314,8 +2334,8 @@
         </p:nvSpPr>
         <p:spPr>
           <a:xfrm>
-            <a:off x="722313" y="2906713"/>
-            <a:ext cx="7772400" cy="1500187"/>
+            <a:off x="963084" y="2906713"/>
+            <a:ext cx="10363200" cy="1500187"/>
           </a:xfrm>
         </p:spPr>
         <p:txBody>
@@ -2506,8 +2526,8 @@
         </p:nvSpPr>
         <p:spPr>
           <a:xfrm>
-            <a:off x="457200" y="1600200"/>
-            <a:ext cx="4038600" cy="4525963"/>
+            <a:off x="609600" y="1600201"/>
+            <a:ext cx="5384800" cy="4525963"/>
           </a:xfrm>
         </p:spPr>
         <p:txBody>
@@ -2591,8 +2611,8 @@
         </p:nvSpPr>
         <p:spPr>
           <a:xfrm>
-            <a:off x="4648200" y="1600200"/>
-            <a:ext cx="4038600" cy="4525963"/>
+            <a:off x="6197600" y="1600201"/>
+            <a:ext cx="5384800" cy="4525963"/>
           </a:xfrm>
         </p:spPr>
         <p:txBody>
@@ -2807,8 +2827,8 @@
         </p:nvSpPr>
         <p:spPr>
           <a:xfrm>
-            <a:off x="457200" y="1535113"/>
-            <a:ext cx="4040188" cy="639762"/>
+            <a:off x="609600" y="1535113"/>
+            <a:ext cx="5386917" cy="639762"/>
           </a:xfrm>
         </p:spPr>
         <p:txBody>
@@ -2872,8 +2892,8 @@
         </p:nvSpPr>
         <p:spPr>
           <a:xfrm>
-            <a:off x="457200" y="2174875"/>
-            <a:ext cx="4040188" cy="3951288"/>
+            <a:off x="609600" y="2174875"/>
+            <a:ext cx="5386917" cy="3951288"/>
           </a:xfrm>
         </p:spPr>
         <p:txBody>
@@ -2957,8 +2977,8 @@
         </p:nvSpPr>
         <p:spPr>
           <a:xfrm>
-            <a:off x="4645025" y="1535113"/>
-            <a:ext cx="4041775" cy="639762"/>
+            <a:off x="6193368" y="1535113"/>
+            <a:ext cx="5389033" cy="639762"/>
           </a:xfrm>
         </p:spPr>
         <p:txBody>
@@ -3022,8 +3042,8 @@
         </p:nvSpPr>
         <p:spPr>
           <a:xfrm>
-            <a:off x="4645025" y="2174875"/>
-            <a:ext cx="4041775" cy="3951288"/>
+            <a:off x="6193368" y="2174875"/>
+            <a:ext cx="5389033" cy="3951288"/>
           </a:xfrm>
         </p:spPr>
         <p:txBody>
@@ -3442,8 +3462,8 @@
         </p:nvSpPr>
         <p:spPr>
           <a:xfrm>
-            <a:off x="457200" y="273050"/>
-            <a:ext cx="3008313" cy="1162050"/>
+            <a:off x="609601" y="273050"/>
+            <a:ext cx="4011084" cy="1162050"/>
           </a:xfrm>
         </p:spPr>
         <p:txBody>
@@ -3474,8 +3494,8 @@
         </p:nvSpPr>
         <p:spPr>
           <a:xfrm>
-            <a:off x="3575050" y="273050"/>
-            <a:ext cx="5111750" cy="5853113"/>
+            <a:off x="4766733" y="273051"/>
+            <a:ext cx="6815667" cy="5853113"/>
           </a:xfrm>
         </p:spPr>
         <p:txBody>
@@ -3559,8 +3579,8 @@
         </p:nvSpPr>
         <p:spPr>
           <a:xfrm>
-            <a:off x="457200" y="1435100"/>
-            <a:ext cx="3008313" cy="4691063"/>
+            <a:off x="609601" y="1435101"/>
+            <a:ext cx="4011084" cy="4691063"/>
           </a:xfrm>
         </p:spPr>
         <p:txBody>
@@ -3721,8 +3741,8 @@
         </p:nvSpPr>
         <p:spPr>
           <a:xfrm>
-            <a:off x="1792288" y="4800600"/>
-            <a:ext cx="5486400" cy="566738"/>
+            <a:off x="2389717" y="4800600"/>
+            <a:ext cx="7315200" cy="566738"/>
           </a:xfrm>
         </p:spPr>
         <p:txBody>
@@ -3753,8 +3773,8 @@
         </p:nvSpPr>
         <p:spPr>
           <a:xfrm>
-            <a:off x="1792288" y="612775"/>
-            <a:ext cx="5486400" cy="4114800"/>
+            <a:off x="2389717" y="612775"/>
+            <a:ext cx="7315200" cy="4114800"/>
           </a:xfrm>
         </p:spPr>
         <p:txBody>
@@ -3815,8 +3835,8 @@
         </p:nvSpPr>
         <p:spPr>
           <a:xfrm>
-            <a:off x="1792288" y="5367338"/>
-            <a:ext cx="5486400" cy="804862"/>
+            <a:off x="2389717" y="5367338"/>
+            <a:ext cx="7315200" cy="804862"/>
           </a:xfrm>
         </p:spPr>
         <p:txBody>
@@ -3985,8 +4005,8 @@
         </p:nvSpPr>
         <p:spPr bwMode="auto">
           <a:xfrm>
-            <a:off x="457200" y="274638"/>
-            <a:ext cx="8229600" cy="1143000"/>
+            <a:off x="609600" y="274638"/>
+            <a:ext cx="10972800" cy="1143000"/>
           </a:xfrm>
           <a:prstGeom prst="rect">
             <a:avLst/>
@@ -4043,8 +4063,8 @@
         </p:nvSpPr>
         <p:spPr bwMode="auto">
           <a:xfrm>
-            <a:off x="457200" y="1600200"/>
-            <a:ext cx="8229600" cy="4525963"/>
+            <a:off x="609600" y="1600201"/>
+            <a:ext cx="10972800" cy="4525963"/>
           </a:xfrm>
           <a:prstGeom prst="rect">
             <a:avLst/>
@@ -4129,8 +4149,8 @@
         </p:nvSpPr>
         <p:spPr bwMode="auto">
           <a:xfrm>
-            <a:off x="0" y="6521450"/>
-            <a:ext cx="3967163" cy="336550"/>
+            <a:off x="1" y="6521450"/>
+            <a:ext cx="5289551" cy="336550"/>
           </a:xfrm>
           <a:prstGeom prst="rect">
             <a:avLst/>
@@ -4188,8 +4208,8 @@
         </p:nvSpPr>
         <p:spPr bwMode="auto">
           <a:xfrm>
-            <a:off x="7772400" y="6248400"/>
-            <a:ext cx="914400" cy="476250"/>
+            <a:off x="10363200" y="6248400"/>
+            <a:ext cx="1219200" cy="476250"/>
           </a:xfrm>
           <a:prstGeom prst="rect">
             <a:avLst/>
@@ -4663,8 +4683,8 @@
         </p:nvSpPr>
         <p:spPr>
           <a:xfrm>
-            <a:off x="0" y="2661337"/>
-            <a:ext cx="8541327" cy="4524315"/>
+            <a:off x="286953" y="354890"/>
+            <a:ext cx="8541327" cy="6001643"/>
           </a:xfrm>
           <a:prstGeom prst="rect">
             <a:avLst/>
@@ -4678,62 +4698,62 @@
           <a:lstStyle/>
           <a:p>
             <a:r>
-              <a:rPr lang="fr-FR" dirty="0">
+              <a:rPr lang="fr-FR" sz="3200" dirty="0">
                 <a:latin typeface="Courier New" panose="02070309020205020404" pitchFamily="49" charset="0"/>
                 <a:cs typeface="Courier New" panose="02070309020205020404" pitchFamily="49" charset="0"/>
               </a:rPr>
               <a:t> </a:t>
             </a:r>
             <a:r>
-              <a:rPr lang="fr-FR" dirty="0" smtClean="0">
+              <a:rPr lang="fr-FR" sz="3200" dirty="0">
                 <a:latin typeface="Courier New" panose="02070309020205020404" pitchFamily="49" charset="0"/>
                 <a:cs typeface="Courier New" panose="02070309020205020404" pitchFamily="49" charset="0"/>
               </a:rPr>
               <a:t>   s </a:t>
             </a:r>
             <a:r>
-              <a:rPr lang="fr-FR" dirty="0">
+              <a:rPr lang="fr-FR" sz="3200" dirty="0">
                 <a:latin typeface="Courier New" panose="02070309020205020404" pitchFamily="49" charset="0"/>
                 <a:cs typeface="Courier New" panose="02070309020205020404" pitchFamily="49" charset="0"/>
               </a:rPr>
               <a:t>= '</a:t>
             </a:r>
             <a:r>
-              <a:rPr lang="fr-FR" dirty="0" err="1">
+              <a:rPr lang="fr-FR" sz="3200" dirty="0" err="1">
                 <a:latin typeface="Courier New" panose="02070309020205020404" pitchFamily="49" charset="0"/>
                 <a:cs typeface="Courier New" panose="02070309020205020404" pitchFamily="49" charset="0"/>
               </a:rPr>
               <a:t>egg</a:t>
             </a:r>
             <a:r>
-              <a:rPr lang="fr-FR" dirty="0">
+              <a:rPr lang="fr-FR" sz="3200" dirty="0">
                 <a:latin typeface="Courier New" panose="02070309020205020404" pitchFamily="49" charset="0"/>
                 <a:cs typeface="Courier New" panose="02070309020205020404" pitchFamily="49" charset="0"/>
               </a:rPr>
               <a:t>, bacon' </a:t>
             </a:r>
-            <a:endParaRPr lang="fr-FR" dirty="0" smtClean="0">
+            <a:endParaRPr lang="fr-FR" sz="3200" dirty="0">
               <a:latin typeface="Courier New" panose="02070309020205020404" pitchFamily="49" charset="0"/>
               <a:cs typeface="Courier New" panose="02070309020205020404" pitchFamily="49" charset="0"/>
             </a:endParaRPr>
           </a:p>
           <a:p>
             <a:r>
-              <a:rPr lang="fr-FR" dirty="0">
+              <a:rPr lang="fr-FR" sz="3200" dirty="0">
                 <a:latin typeface="Courier New" panose="02070309020205020404" pitchFamily="49" charset="0"/>
                 <a:cs typeface="Courier New" panose="02070309020205020404" pitchFamily="49" charset="0"/>
               </a:rPr>
               <a:t> </a:t>
             </a:r>
             <a:r>
-              <a:rPr lang="fr-FR" dirty="0" smtClean="0">
+              <a:rPr lang="fr-FR" sz="3200" dirty="0">
                 <a:latin typeface="Courier New" panose="02070309020205020404" pitchFamily="49" charset="0"/>
                 <a:cs typeface="Courier New" panose="02070309020205020404" pitchFamily="49" charset="0"/>
               </a:rPr>
               <a:t>   s[</a:t>
             </a:r>
             <a:r>
-              <a:rPr lang="fr-FR" dirty="0" smtClean="0">
+              <a:rPr lang="fr-FR" sz="3200" dirty="0">
                 <a:solidFill>
                   <a:srgbClr val="00B050"/>
                 </a:solidFill>
@@ -4743,14 +4763,14 @@
               <a:t>0</a:t>
             </a:r>
             <a:r>
-              <a:rPr lang="fr-FR" dirty="0" smtClean="0">
+              <a:rPr lang="fr-FR" sz="3200" dirty="0">
                 <a:latin typeface="Courier New" panose="02070309020205020404" pitchFamily="49" charset="0"/>
                 <a:cs typeface="Courier New" panose="02070309020205020404" pitchFamily="49" charset="0"/>
               </a:rPr>
               <a:t>:</a:t>
             </a:r>
             <a:r>
-              <a:rPr lang="fr-FR" dirty="0" smtClean="0">
+              <a:rPr lang="fr-FR" sz="3200" dirty="0">
                 <a:solidFill>
                   <a:schemeClr val="accent2"/>
                 </a:solidFill>
@@ -4760,7 +4780,7 @@
               <a:t>3</a:t>
             </a:r>
             <a:r>
-              <a:rPr lang="fr-FR" dirty="0" smtClean="0">
+              <a:rPr lang="fr-FR" sz="3200" dirty="0">
                 <a:latin typeface="Courier New" panose="02070309020205020404" pitchFamily="49" charset="0"/>
                 <a:cs typeface="Courier New" panose="02070309020205020404" pitchFamily="49" charset="0"/>
               </a:rPr>
@@ -4769,41 +4789,41 @@
           </a:p>
           <a:p>
             <a:r>
-              <a:rPr lang="fr-FR" dirty="0">
+              <a:rPr lang="fr-FR" sz="3200" dirty="0">
                 <a:latin typeface="Courier New" panose="02070309020205020404" pitchFamily="49" charset="0"/>
                 <a:cs typeface="Courier New" panose="02070309020205020404" pitchFamily="49" charset="0"/>
               </a:rPr>
               <a:t>'</a:t>
             </a:r>
             <a:r>
-              <a:rPr lang="fr-FR" dirty="0" err="1">
+              <a:rPr lang="fr-FR" sz="3200" dirty="0" err="1">
                 <a:latin typeface="Courier New" panose="02070309020205020404" pitchFamily="49" charset="0"/>
                 <a:cs typeface="Courier New" panose="02070309020205020404" pitchFamily="49" charset="0"/>
               </a:rPr>
               <a:t>egg</a:t>
             </a:r>
             <a:r>
-              <a:rPr lang="fr-FR" dirty="0">
+              <a:rPr lang="fr-FR" sz="3200" dirty="0">
                 <a:latin typeface="Courier New" panose="02070309020205020404" pitchFamily="49" charset="0"/>
                 <a:cs typeface="Courier New" panose="02070309020205020404" pitchFamily="49" charset="0"/>
               </a:rPr>
               <a:t>'</a:t>
             </a:r>
-            <a:endParaRPr lang="fr-FR" dirty="0" smtClean="0">
+            <a:endParaRPr lang="fr-FR" sz="3200" dirty="0">
               <a:latin typeface="Courier New" panose="02070309020205020404" pitchFamily="49" charset="0"/>
               <a:cs typeface="Courier New" panose="02070309020205020404" pitchFamily="49" charset="0"/>
             </a:endParaRPr>
           </a:p>
           <a:p>
             <a:r>
-              <a:rPr lang="fr-FR" dirty="0">
+              <a:rPr lang="fr-FR" sz="3200" dirty="0">
                 <a:latin typeface="Courier New" panose="02070309020205020404" pitchFamily="49" charset="0"/>
                 <a:cs typeface="Courier New" panose="02070309020205020404" pitchFamily="49" charset="0"/>
               </a:rPr>
               <a:t> </a:t>
             </a:r>
             <a:r>
-              <a:rPr lang="fr-FR" dirty="0" smtClean="0">
+              <a:rPr lang="fr-FR" sz="3200" dirty="0">
                 <a:latin typeface="Courier New" panose="02070309020205020404" pitchFamily="49" charset="0"/>
                 <a:cs typeface="Courier New" panose="02070309020205020404" pitchFamily="49" charset="0"/>
               </a:rPr>
@@ -4812,20 +4832,20 @@
           </a:p>
           <a:p>
             <a:r>
-              <a:rPr lang="fr-FR" dirty="0">
+              <a:rPr lang="fr-FR" sz="3200" dirty="0">
                 <a:latin typeface="Courier New" panose="02070309020205020404" pitchFamily="49" charset="0"/>
                 <a:cs typeface="Courier New" panose="02070309020205020404" pitchFamily="49" charset="0"/>
               </a:rPr>
               <a:t>'bacon'</a:t>
             </a:r>
-            <a:endParaRPr lang="fr-FR" dirty="0" smtClean="0">
+            <a:endParaRPr lang="fr-FR" sz="3200" dirty="0">
               <a:latin typeface="Courier New" panose="02070309020205020404" pitchFamily="49" charset="0"/>
               <a:cs typeface="Courier New" panose="02070309020205020404" pitchFamily="49" charset="0"/>
             </a:endParaRPr>
           </a:p>
           <a:p>
             <a:r>
-              <a:rPr lang="fr-FR" dirty="0" smtClean="0">
+              <a:rPr lang="fr-FR" sz="3200" dirty="0">
                 <a:latin typeface="Courier New" panose="02070309020205020404" pitchFamily="49" charset="0"/>
                 <a:cs typeface="Courier New" panose="02070309020205020404" pitchFamily="49" charset="0"/>
               </a:rPr>
@@ -4834,21 +4854,21 @@
           </a:p>
           <a:p>
             <a:r>
-              <a:rPr lang="fr-FR" dirty="0">
+              <a:rPr lang="fr-FR" sz="3200" dirty="0">
                 <a:latin typeface="Courier New" panose="02070309020205020404" pitchFamily="49" charset="0"/>
                 <a:cs typeface="Courier New" panose="02070309020205020404" pitchFamily="49" charset="0"/>
               </a:rPr>
               <a:t>'</a:t>
             </a:r>
             <a:r>
-              <a:rPr lang="fr-FR" dirty="0" err="1">
+              <a:rPr lang="fr-FR" sz="3200" dirty="0" err="1">
                 <a:latin typeface="Courier New" panose="02070309020205020404" pitchFamily="49" charset="0"/>
                 <a:cs typeface="Courier New" panose="02070309020205020404" pitchFamily="49" charset="0"/>
               </a:rPr>
               <a:t>egg</a:t>
             </a:r>
             <a:r>
-              <a:rPr lang="fr-FR" dirty="0">
+              <a:rPr lang="fr-FR" sz="3200" dirty="0">
                 <a:latin typeface="Courier New" panose="02070309020205020404" pitchFamily="49" charset="0"/>
                 <a:cs typeface="Courier New" panose="02070309020205020404" pitchFamily="49" charset="0"/>
               </a:rPr>
@@ -4857,14 +4877,14 @@
           </a:p>
           <a:p>
             <a:r>
-              <a:rPr lang="fr-FR" dirty="0">
+              <a:rPr lang="fr-FR" sz="3200" dirty="0">
                 <a:latin typeface="Courier New" panose="02070309020205020404" pitchFamily="49" charset="0"/>
                 <a:cs typeface="Courier New" panose="02070309020205020404" pitchFamily="49" charset="0"/>
               </a:rPr>
               <a:t> </a:t>
             </a:r>
             <a:r>
-              <a:rPr lang="fr-FR" dirty="0" smtClean="0">
+              <a:rPr lang="fr-FR" sz="3200" dirty="0">
                 <a:latin typeface="Courier New" panose="02070309020205020404" pitchFamily="49" charset="0"/>
                 <a:cs typeface="Courier New" panose="02070309020205020404" pitchFamily="49" charset="0"/>
               </a:rPr>
@@ -4873,14 +4893,14 @@
           </a:p>
           <a:p>
             <a:r>
-              <a:rPr lang="fr-FR" dirty="0">
+              <a:rPr lang="fr-FR" sz="3200" dirty="0">
                 <a:latin typeface="Courier New" panose="02070309020205020404" pitchFamily="49" charset="0"/>
                 <a:cs typeface="Courier New" panose="02070309020205020404" pitchFamily="49" charset="0"/>
               </a:rPr>
               <a:t>'bacon</a:t>
             </a:r>
             <a:r>
-              <a:rPr lang="fr-FR" dirty="0" smtClean="0">
+              <a:rPr lang="fr-FR" sz="3200" dirty="0">
                 <a:latin typeface="Courier New" panose="02070309020205020404" pitchFamily="49" charset="0"/>
                 <a:cs typeface="Courier New" panose="02070309020205020404" pitchFamily="49" charset="0"/>
               </a:rPr>
@@ -4889,14 +4909,14 @@
           </a:p>
           <a:p>
             <a:r>
-              <a:rPr lang="fr-FR" dirty="0">
+              <a:rPr lang="fr-FR" sz="3200" dirty="0">
                 <a:latin typeface="Courier New" panose="02070309020205020404" pitchFamily="49" charset="0"/>
                 <a:cs typeface="Courier New" panose="02070309020205020404" pitchFamily="49" charset="0"/>
               </a:rPr>
               <a:t> </a:t>
             </a:r>
             <a:r>
-              <a:rPr lang="fr-FR" dirty="0" smtClean="0">
+              <a:rPr lang="fr-FR" sz="3200" dirty="0">
                 <a:latin typeface="Courier New" panose="02070309020205020404" pitchFamily="49" charset="0"/>
                 <a:cs typeface="Courier New" panose="02070309020205020404" pitchFamily="49" charset="0"/>
               </a:rPr>
@@ -4905,33 +4925,33 @@
           </a:p>
           <a:p>
             <a:r>
-              <a:rPr lang="fr-FR" dirty="0">
+              <a:rPr lang="fr-FR" sz="3200" dirty="0">
                 <a:latin typeface="Courier New" panose="02070309020205020404" pitchFamily="49" charset="0"/>
                 <a:cs typeface="Courier New" panose="02070309020205020404" pitchFamily="49" charset="0"/>
               </a:rPr>
               <a:t>'</a:t>
             </a:r>
             <a:r>
-              <a:rPr lang="fr-FR" dirty="0" err="1">
+              <a:rPr lang="fr-FR" sz="3200" dirty="0" err="1">
                 <a:latin typeface="Courier New" panose="02070309020205020404" pitchFamily="49" charset="0"/>
                 <a:cs typeface="Courier New" panose="02070309020205020404" pitchFamily="49" charset="0"/>
               </a:rPr>
               <a:t>egg</a:t>
             </a:r>
             <a:r>
-              <a:rPr lang="fr-FR" dirty="0">
+              <a:rPr lang="fr-FR" sz="3200" dirty="0">
                 <a:latin typeface="Courier New" panose="02070309020205020404" pitchFamily="49" charset="0"/>
                 <a:cs typeface="Courier New" panose="02070309020205020404" pitchFamily="49" charset="0"/>
               </a:rPr>
               <a:t>, bacon'</a:t>
             </a:r>
-            <a:endParaRPr lang="fr-FR" dirty="0" smtClean="0">
+            <a:endParaRPr lang="fr-FR" sz="3200" dirty="0">
               <a:latin typeface="Courier New" panose="02070309020205020404" pitchFamily="49" charset="0"/>
               <a:cs typeface="Courier New" panose="02070309020205020404" pitchFamily="49" charset="0"/>
             </a:endParaRPr>
           </a:p>
           <a:p>
-            <a:endParaRPr lang="fr-FR" dirty="0">
+            <a:endParaRPr lang="fr-FR" sz="3200" dirty="0">
               <a:latin typeface="Courier New" panose="02070309020205020404" pitchFamily="49" charset="0"/>
               <a:cs typeface="Courier New" panose="02070309020205020404" pitchFamily="49" charset="0"/>
             </a:endParaRPr>
@@ -4946,7 +4966,7 @@
         </p:nvCxnSpPr>
         <p:spPr bwMode="auto">
           <a:xfrm>
-            <a:off x="1350818" y="290944"/>
+            <a:off x="4938351" y="1685992"/>
             <a:ext cx="0" cy="872837"/>
           </a:xfrm>
           <a:prstGeom prst="straightConnector1">
@@ -4973,7 +4993,7 @@
         </p:nvCxnSpPr>
         <p:spPr bwMode="auto">
           <a:xfrm>
-            <a:off x="2833255" y="290944"/>
+            <a:off x="6420788" y="1685992"/>
             <a:ext cx="0" cy="872837"/>
           </a:xfrm>
           <a:prstGeom prst="straightConnector1">
@@ -5000,7 +5020,7 @@
         </p:nvCxnSpPr>
         <p:spPr bwMode="auto">
           <a:xfrm>
-            <a:off x="5015346" y="214745"/>
+            <a:off x="8602879" y="1609793"/>
             <a:ext cx="0" cy="872837"/>
           </a:xfrm>
           <a:prstGeom prst="straightConnector1">
@@ -5027,7 +5047,7 @@
         </p:nvCxnSpPr>
         <p:spPr bwMode="auto">
           <a:xfrm>
-            <a:off x="7945582" y="214745"/>
+            <a:off x="11533115" y="1609793"/>
             <a:ext cx="0" cy="872837"/>
           </a:xfrm>
           <a:prstGeom prst="straightConnector1">
@@ -5054,7 +5074,7 @@
         </p:nvGrpSpPr>
         <p:grpSpPr>
           <a:xfrm>
-            <a:off x="935181" y="764417"/>
+            <a:off x="4522714" y="2159464"/>
             <a:ext cx="7813964" cy="1896920"/>
             <a:chOff x="935181" y="764417"/>
             <a:chExt cx="7813964" cy="1896920"/>
@@ -5090,14 +5110,14 @@
                 <a:t>e</a:t>
               </a:r>
               <a:r>
-                <a:rPr lang="fr-FR" sz="9600" dirty="0" err="1" smtClean="0">
+                <a:rPr lang="fr-FR" sz="9600" dirty="0" err="1">
                   <a:latin typeface="Courier New" panose="02070309020205020404" pitchFamily="49" charset="0"/>
                   <a:cs typeface="Courier New" panose="02070309020205020404" pitchFamily="49" charset="0"/>
                 </a:rPr>
                 <a:t>gg</a:t>
               </a:r>
               <a:r>
-                <a:rPr lang="fr-FR" sz="9600" dirty="0" smtClean="0">
+                <a:rPr lang="fr-FR" sz="9600" dirty="0">
                   <a:latin typeface="Courier New" panose="02070309020205020404" pitchFamily="49" charset="0"/>
                   <a:cs typeface="Courier New" panose="02070309020205020404" pitchFamily="49" charset="0"/>
                 </a:rPr>
@@ -5133,7 +5153,7 @@
             <a:lstStyle/>
             <a:p>
               <a:r>
-                <a:rPr lang="fr-FR" dirty="0" smtClean="0">
+                <a:rPr lang="fr-FR" dirty="0">
                   <a:solidFill>
                     <a:srgbClr val="FF0000"/>
                   </a:solidFill>
@@ -5161,8 +5181,8 @@
         </p:nvSpPr>
         <p:spPr>
           <a:xfrm>
-            <a:off x="-7461" y="2661536"/>
-            <a:ext cx="797169" cy="461665"/>
+            <a:off x="318917" y="361369"/>
+            <a:ext cx="933584" cy="584775"/>
           </a:xfrm>
           <a:prstGeom prst="rect">
             <a:avLst/>
@@ -5176,13 +5196,13 @@
           <a:lstStyle/>
           <a:p>
             <a:r>
-              <a:rPr lang="fr-FR" dirty="0">
+              <a:rPr lang="fr-FR" sz="3200" dirty="0">
                 <a:latin typeface="Courier New" panose="02070309020205020404" pitchFamily="49" charset="0"/>
                 <a:cs typeface="Courier New" panose="02070309020205020404" pitchFamily="49" charset="0"/>
               </a:rPr>
               <a:t>&gt;&gt;&gt;</a:t>
             </a:r>
-            <a:endParaRPr lang="fr-FR" dirty="0"/>
+            <a:endParaRPr lang="fr-FR" sz="3200" dirty="0"/>
           </a:p>
         </p:txBody>
       </p:sp>
@@ -5194,8 +5214,8 @@
         </p:nvSpPr>
         <p:spPr>
           <a:xfrm>
-            <a:off x="0" y="3791417"/>
-            <a:ext cx="797169" cy="461665"/>
+            <a:off x="302935" y="1781570"/>
+            <a:ext cx="933584" cy="584775"/>
           </a:xfrm>
           <a:prstGeom prst="rect">
             <a:avLst/>
@@ -5209,13 +5229,13 @@
           <a:lstStyle/>
           <a:p>
             <a:r>
-              <a:rPr lang="fr-FR" dirty="0">
+              <a:rPr lang="fr-FR" sz="3200" dirty="0">
                 <a:latin typeface="Courier New" panose="02070309020205020404" pitchFamily="49" charset="0"/>
                 <a:cs typeface="Courier New" panose="02070309020205020404" pitchFamily="49" charset="0"/>
               </a:rPr>
               <a:t>&gt;&gt;&gt;</a:t>
             </a:r>
-            <a:endParaRPr lang="fr-FR" dirty="0"/>
+            <a:endParaRPr lang="fr-FR" sz="3200" dirty="0"/>
           </a:p>
         </p:txBody>
       </p:sp>
@@ -5227,8 +5247,8 @@
         </p:nvSpPr>
         <p:spPr>
           <a:xfrm>
-            <a:off x="-7462" y="3024952"/>
-            <a:ext cx="797169" cy="461665"/>
+            <a:off x="279492" y="834769"/>
+            <a:ext cx="933584" cy="584775"/>
           </a:xfrm>
           <a:prstGeom prst="rect">
             <a:avLst/>
@@ -5242,13 +5262,13 @@
           <a:lstStyle/>
           <a:p>
             <a:r>
-              <a:rPr lang="fr-FR" dirty="0">
+              <a:rPr lang="fr-FR" sz="3200" dirty="0">
                 <a:latin typeface="Courier New" panose="02070309020205020404" pitchFamily="49" charset="0"/>
                 <a:cs typeface="Courier New" panose="02070309020205020404" pitchFamily="49" charset="0"/>
               </a:rPr>
               <a:t>&gt;&gt;&gt;</a:t>
             </a:r>
-            <a:endParaRPr lang="fr-FR" dirty="0"/>
+            <a:endParaRPr lang="fr-FR" sz="3200" dirty="0"/>
           </a:p>
         </p:txBody>
       </p:sp>
@@ -5260,8 +5280,8 @@
         </p:nvSpPr>
         <p:spPr>
           <a:xfrm>
-            <a:off x="0" y="4469522"/>
-            <a:ext cx="797169" cy="461665"/>
+            <a:off x="298674" y="2808462"/>
+            <a:ext cx="933584" cy="584775"/>
           </a:xfrm>
           <a:prstGeom prst="rect">
             <a:avLst/>
@@ -5275,13 +5295,13 @@
           <a:lstStyle/>
           <a:p>
             <a:r>
-              <a:rPr lang="fr-FR" dirty="0">
+              <a:rPr lang="fr-FR" sz="3200" dirty="0">
                 <a:latin typeface="Courier New" panose="02070309020205020404" pitchFamily="49" charset="0"/>
                 <a:cs typeface="Courier New" panose="02070309020205020404" pitchFamily="49" charset="0"/>
               </a:rPr>
               <a:t>&gt;&gt;&gt;</a:t>
             </a:r>
-            <a:endParaRPr lang="fr-FR" dirty="0"/>
+            <a:endParaRPr lang="fr-FR" sz="3200" dirty="0"/>
           </a:p>
         </p:txBody>
       </p:sp>
@@ -5293,8 +5313,8 @@
         </p:nvSpPr>
         <p:spPr>
           <a:xfrm>
-            <a:off x="11721" y="5258447"/>
-            <a:ext cx="797169" cy="461665"/>
+            <a:off x="318917" y="3793025"/>
+            <a:ext cx="933584" cy="584775"/>
           </a:xfrm>
           <a:prstGeom prst="rect">
             <a:avLst/>
@@ -5308,13 +5328,13 @@
           <a:lstStyle/>
           <a:p>
             <a:r>
-              <a:rPr lang="fr-FR" dirty="0">
+              <a:rPr lang="fr-FR" sz="3200" dirty="0">
                 <a:latin typeface="Courier New" panose="02070309020205020404" pitchFamily="49" charset="0"/>
                 <a:cs typeface="Courier New" panose="02070309020205020404" pitchFamily="49" charset="0"/>
               </a:rPr>
               <a:t>&gt;&gt;&gt;</a:t>
             </a:r>
-            <a:endParaRPr lang="fr-FR" dirty="0"/>
+            <a:endParaRPr lang="fr-FR" sz="3200" dirty="0"/>
           </a:p>
         </p:txBody>
       </p:sp>
@@ -5326,8 +5346,8 @@
         </p:nvSpPr>
         <p:spPr>
           <a:xfrm>
-            <a:off x="15982" y="5991216"/>
-            <a:ext cx="797169" cy="461665"/>
+            <a:off x="318917" y="4767350"/>
+            <a:ext cx="933584" cy="584775"/>
           </a:xfrm>
           <a:prstGeom prst="rect">
             <a:avLst/>
@@ -5341,13 +5361,13 @@
           <a:lstStyle/>
           <a:p>
             <a:r>
-              <a:rPr lang="fr-FR" dirty="0">
+              <a:rPr lang="fr-FR" sz="3200" dirty="0">
                 <a:latin typeface="Courier New" panose="02070309020205020404" pitchFamily="49" charset="0"/>
                 <a:cs typeface="Courier New" panose="02070309020205020404" pitchFamily="49" charset="0"/>
               </a:rPr>
               <a:t>&gt;&gt;&gt;</a:t>
             </a:r>
-            <a:endParaRPr lang="fr-FR" dirty="0"/>
+            <a:endParaRPr lang="fr-FR" sz="3200" dirty="0"/>
           </a:p>
         </p:txBody>
       </p:sp>
@@ -5359,7 +5379,7 @@
         </p:nvCxnSpPr>
         <p:spPr bwMode="auto">
           <a:xfrm>
-            <a:off x="2833255" y="290944"/>
+            <a:off x="6420788" y="1685992"/>
             <a:ext cx="0" cy="872837"/>
           </a:xfrm>
           <a:prstGeom prst="straightConnector1">
@@ -5386,7 +5406,7 @@
         </p:nvCxnSpPr>
         <p:spPr bwMode="auto">
           <a:xfrm>
-            <a:off x="5015346" y="214745"/>
+            <a:off x="8602879" y="1609793"/>
             <a:ext cx="0" cy="872837"/>
           </a:xfrm>
           <a:prstGeom prst="straightConnector1">
@@ -5413,7 +5433,7 @@
         </p:nvCxnSpPr>
         <p:spPr bwMode="auto">
           <a:xfrm>
-            <a:off x="1350818" y="644151"/>
+            <a:off x="4938352" y="2039199"/>
             <a:ext cx="1482437" cy="14023"/>
           </a:xfrm>
           <a:prstGeom prst="straightConnector1">
@@ -5440,7 +5460,7 @@
         </p:nvCxnSpPr>
         <p:spPr bwMode="auto">
           <a:xfrm>
-            <a:off x="5015346" y="651163"/>
+            <a:off x="8602879" y="2046210"/>
             <a:ext cx="2930236" cy="0"/>
           </a:xfrm>
           <a:prstGeom prst="straightConnector1">
@@ -6951,8 +6971,8 @@
         </p:nvSpPr>
         <p:spPr>
           <a:xfrm>
-            <a:off x="0" y="2661337"/>
-            <a:ext cx="8541327" cy="3416320"/>
+            <a:off x="208613" y="287957"/>
+            <a:ext cx="8541327" cy="4524315"/>
           </a:xfrm>
           <a:prstGeom prst="rect">
             <a:avLst/>
@@ -6966,21 +6986,21 @@
           <a:lstStyle/>
           <a:p>
             <a:r>
-              <a:rPr lang="fr-FR" dirty="0">
+              <a:rPr lang="fr-FR" sz="3200" dirty="0">
                 <a:latin typeface="Courier New" panose="02070309020205020404" pitchFamily="49" charset="0"/>
                 <a:cs typeface="Courier New" panose="02070309020205020404" pitchFamily="49" charset="0"/>
               </a:rPr>
               <a:t> </a:t>
             </a:r>
             <a:r>
-              <a:rPr lang="fr-FR" dirty="0" smtClean="0">
+              <a:rPr lang="fr-FR" sz="3200" dirty="0">
                 <a:latin typeface="Courier New" panose="02070309020205020404" pitchFamily="49" charset="0"/>
                 <a:cs typeface="Courier New" panose="02070309020205020404" pitchFamily="49" charset="0"/>
               </a:rPr>
               <a:t>   s[0:10:</a:t>
             </a:r>
             <a:r>
-              <a:rPr lang="fr-FR" dirty="0" smtClean="0">
+              <a:rPr lang="fr-FR" sz="3200" dirty="0">
                 <a:solidFill>
                   <a:srgbClr val="00B050"/>
                 </a:solidFill>
@@ -6990,7 +7010,7 @@
               <a:t>2</a:t>
             </a:r>
             <a:r>
-              <a:rPr lang="fr-FR" dirty="0" smtClean="0">
+              <a:rPr lang="fr-FR" sz="3200" dirty="0">
                 <a:latin typeface="Courier New" panose="02070309020205020404" pitchFamily="49" charset="0"/>
                 <a:cs typeface="Courier New" panose="02070309020205020404" pitchFamily="49" charset="0"/>
               </a:rPr>
@@ -6999,35 +7019,35 @@
           </a:p>
           <a:p>
             <a:r>
-              <a:rPr lang="fr-FR" dirty="0">
+              <a:rPr lang="fr-FR" sz="3200" dirty="0">
                 <a:latin typeface="Courier New" panose="02070309020205020404" pitchFamily="49" charset="0"/>
                 <a:cs typeface="Courier New" panose="02070309020205020404" pitchFamily="49" charset="0"/>
               </a:rPr>
               <a:t>'</a:t>
             </a:r>
             <a:r>
-              <a:rPr lang="fr-FR" dirty="0" err="1">
+              <a:rPr lang="fr-FR" sz="3200" dirty="0" err="1">
                 <a:latin typeface="Courier New" panose="02070309020205020404" pitchFamily="49" charset="0"/>
                 <a:cs typeface="Courier New" panose="02070309020205020404" pitchFamily="49" charset="0"/>
               </a:rPr>
               <a:t>eg</a:t>
             </a:r>
             <a:r>
-              <a:rPr lang="fr-FR" dirty="0">
+              <a:rPr lang="fr-FR" sz="3200" dirty="0">
                 <a:latin typeface="Courier New" panose="02070309020205020404" pitchFamily="49" charset="0"/>
                 <a:cs typeface="Courier New" panose="02070309020205020404" pitchFamily="49" charset="0"/>
               </a:rPr>
               <a:t> </a:t>
             </a:r>
             <a:r>
-              <a:rPr lang="fr-FR" dirty="0" err="1" smtClean="0">
+              <a:rPr lang="fr-FR" sz="3200" dirty="0" err="1">
                 <a:latin typeface="Courier New" panose="02070309020205020404" pitchFamily="49" charset="0"/>
                 <a:cs typeface="Courier New" panose="02070309020205020404" pitchFamily="49" charset="0"/>
               </a:rPr>
               <a:t>ao</a:t>
             </a:r>
             <a:r>
-              <a:rPr lang="fr-FR" dirty="0" smtClean="0">
+              <a:rPr lang="fr-FR" sz="3200" dirty="0">
                 <a:latin typeface="Courier New" panose="02070309020205020404" pitchFamily="49" charset="0"/>
                 <a:cs typeface="Courier New" panose="02070309020205020404" pitchFamily="49" charset="0"/>
               </a:rPr>
@@ -7036,7 +7056,7 @@
           </a:p>
           <a:p>
             <a:r>
-              <a:rPr lang="fr-FR" dirty="0" smtClean="0">
+              <a:rPr lang="fr-FR" sz="3200" dirty="0">
                 <a:latin typeface="Courier New" panose="02070309020205020404" pitchFamily="49" charset="0"/>
                 <a:cs typeface="Courier New" panose="02070309020205020404" pitchFamily="49" charset="0"/>
               </a:rPr>
@@ -7045,35 +7065,35 @@
           </a:p>
           <a:p>
             <a:r>
-              <a:rPr lang="fr-FR" dirty="0">
+              <a:rPr lang="fr-FR" sz="3200" dirty="0">
                 <a:latin typeface="Courier New" panose="02070309020205020404" pitchFamily="49" charset="0"/>
                 <a:cs typeface="Courier New" panose="02070309020205020404" pitchFamily="49" charset="0"/>
               </a:rPr>
               <a:t>'</a:t>
             </a:r>
             <a:r>
-              <a:rPr lang="fr-FR" dirty="0" err="1">
+              <a:rPr lang="fr-FR" sz="3200" dirty="0" err="1">
                 <a:latin typeface="Courier New" panose="02070309020205020404" pitchFamily="49" charset="0"/>
                 <a:cs typeface="Courier New" panose="02070309020205020404" pitchFamily="49" charset="0"/>
               </a:rPr>
               <a:t>eg</a:t>
             </a:r>
             <a:r>
-              <a:rPr lang="fr-FR" dirty="0">
+              <a:rPr lang="fr-FR" sz="3200" dirty="0">
                 <a:latin typeface="Courier New" panose="02070309020205020404" pitchFamily="49" charset="0"/>
                 <a:cs typeface="Courier New" panose="02070309020205020404" pitchFamily="49" charset="0"/>
               </a:rPr>
               <a:t> </a:t>
             </a:r>
             <a:r>
-              <a:rPr lang="fr-FR" dirty="0" err="1">
+              <a:rPr lang="fr-FR" sz="3200" dirty="0" err="1">
                 <a:latin typeface="Courier New" panose="02070309020205020404" pitchFamily="49" charset="0"/>
                 <a:cs typeface="Courier New" panose="02070309020205020404" pitchFamily="49" charset="0"/>
               </a:rPr>
               <a:t>ao</a:t>
             </a:r>
             <a:r>
-              <a:rPr lang="fr-FR" dirty="0">
+              <a:rPr lang="fr-FR" sz="3200" dirty="0">
                 <a:latin typeface="Courier New" panose="02070309020205020404" pitchFamily="49" charset="0"/>
                 <a:cs typeface="Courier New" panose="02070309020205020404" pitchFamily="49" charset="0"/>
               </a:rPr>
@@ -7082,14 +7102,14 @@
           </a:p>
           <a:p>
             <a:r>
-              <a:rPr lang="fr-FR" dirty="0">
+              <a:rPr lang="fr-FR" sz="3200" dirty="0">
                 <a:latin typeface="Courier New" panose="02070309020205020404" pitchFamily="49" charset="0"/>
                 <a:cs typeface="Courier New" panose="02070309020205020404" pitchFamily="49" charset="0"/>
               </a:rPr>
               <a:t> </a:t>
             </a:r>
             <a:r>
-              <a:rPr lang="fr-FR" dirty="0" smtClean="0">
+              <a:rPr lang="fr-FR" sz="3200" dirty="0">
                 <a:latin typeface="Courier New" panose="02070309020205020404" pitchFamily="49" charset="0"/>
                 <a:cs typeface="Courier New" panose="02070309020205020404" pitchFamily="49" charset="0"/>
               </a:rPr>
@@ -7098,21 +7118,21 @@
           </a:p>
           <a:p>
             <a:r>
-              <a:rPr lang="fr-FR" dirty="0" smtClean="0">
+              <a:rPr lang="fr-FR" sz="3200" dirty="0">
                 <a:latin typeface="Courier New" panose="02070309020205020404" pitchFamily="49" charset="0"/>
                 <a:cs typeface="Courier New" panose="02070309020205020404" pitchFamily="49" charset="0"/>
               </a:rPr>
               <a:t>'</a:t>
             </a:r>
             <a:r>
-              <a:rPr lang="fr-FR" dirty="0" err="1" smtClean="0">
+              <a:rPr lang="fr-FR" sz="3200" dirty="0" err="1">
                 <a:latin typeface="Courier New" panose="02070309020205020404" pitchFamily="49" charset="0"/>
                 <a:cs typeface="Courier New" panose="02070309020205020404" pitchFamily="49" charset="0"/>
               </a:rPr>
               <a:t>e,a</a:t>
             </a:r>
             <a:r>
-              <a:rPr lang="fr-FR" dirty="0" smtClean="0">
+              <a:rPr lang="fr-FR" sz="3200" dirty="0">
                 <a:latin typeface="Courier New" panose="02070309020205020404" pitchFamily="49" charset="0"/>
                 <a:cs typeface="Courier New" panose="02070309020205020404" pitchFamily="49" charset="0"/>
               </a:rPr>
@@ -7121,14 +7141,14 @@
           </a:p>
           <a:p>
             <a:r>
-              <a:rPr lang="fr-FR" dirty="0">
+              <a:rPr lang="fr-FR" sz="3200" dirty="0">
                 <a:latin typeface="Courier New" panose="02070309020205020404" pitchFamily="49" charset="0"/>
                 <a:cs typeface="Courier New" panose="02070309020205020404" pitchFamily="49" charset="0"/>
               </a:rPr>
               <a:t> </a:t>
             </a:r>
             <a:r>
-              <a:rPr lang="fr-FR" dirty="0" smtClean="0">
+              <a:rPr lang="fr-FR" sz="3200" dirty="0">
                 <a:latin typeface="Courier New" panose="02070309020205020404" pitchFamily="49" charset="0"/>
                 <a:cs typeface="Courier New" panose="02070309020205020404" pitchFamily="49" charset="0"/>
               </a:rPr>
@@ -7137,21 +7157,21 @@
           </a:p>
           <a:p>
             <a:r>
-              <a:rPr lang="fr-FR" dirty="0" smtClean="0">
+              <a:rPr lang="fr-FR" sz="3200" dirty="0">
                 <a:latin typeface="Courier New" panose="02070309020205020404" pitchFamily="49" charset="0"/>
                 <a:cs typeface="Courier New" panose="02070309020205020404" pitchFamily="49" charset="0"/>
               </a:rPr>
               <a:t>'</a:t>
             </a:r>
             <a:r>
-              <a:rPr lang="fr-FR" dirty="0" err="1" smtClean="0">
+              <a:rPr lang="fr-FR" sz="3200" dirty="0" err="1">
                 <a:latin typeface="Courier New" panose="02070309020205020404" pitchFamily="49" charset="0"/>
                 <a:cs typeface="Courier New" panose="02070309020205020404" pitchFamily="49" charset="0"/>
               </a:rPr>
               <a:t>gbo</a:t>
             </a:r>
             <a:r>
-              <a:rPr lang="fr-FR" dirty="0" smtClean="0">
+              <a:rPr lang="fr-FR" sz="3200" dirty="0">
                 <a:latin typeface="Courier New" panose="02070309020205020404" pitchFamily="49" charset="0"/>
                 <a:cs typeface="Courier New" panose="02070309020205020404" pitchFamily="49" charset="0"/>
               </a:rPr>
@@ -7159,7 +7179,7 @@
             </a:r>
           </a:p>
           <a:p>
-            <a:endParaRPr lang="fr-FR" dirty="0">
+            <a:endParaRPr lang="fr-FR" sz="3200" dirty="0">
               <a:latin typeface="Courier New" panose="02070309020205020404" pitchFamily="49" charset="0"/>
               <a:cs typeface="Courier New" panose="02070309020205020404" pitchFamily="49" charset="0"/>
             </a:endParaRPr>
@@ -7174,7 +7194,7 @@
         </p:nvCxnSpPr>
         <p:spPr bwMode="auto">
           <a:xfrm>
-            <a:off x="1371600" y="290945"/>
+            <a:off x="4958860" y="1684592"/>
             <a:ext cx="0" cy="872837"/>
           </a:xfrm>
           <a:prstGeom prst="straightConnector1">
@@ -7201,7 +7221,7 @@
         </p:nvCxnSpPr>
         <p:spPr bwMode="auto">
           <a:xfrm>
-            <a:off x="2812473" y="290945"/>
+            <a:off x="6399733" y="1684592"/>
             <a:ext cx="0" cy="872837"/>
           </a:xfrm>
           <a:prstGeom prst="straightConnector1">
@@ -7228,7 +7248,7 @@
         </p:nvCxnSpPr>
         <p:spPr bwMode="auto">
           <a:xfrm>
-            <a:off x="4204855" y="290945"/>
+            <a:off x="7792115" y="1684592"/>
             <a:ext cx="0" cy="872837"/>
           </a:xfrm>
           <a:prstGeom prst="straightConnector1">
@@ -7255,7 +7275,7 @@
         </p:nvCxnSpPr>
         <p:spPr bwMode="auto">
           <a:xfrm>
-            <a:off x="5749636" y="290945"/>
+            <a:off x="9336896" y="1684592"/>
             <a:ext cx="0" cy="872837"/>
           </a:xfrm>
           <a:prstGeom prst="straightConnector1">
@@ -7282,7 +7302,7 @@
         </p:nvCxnSpPr>
         <p:spPr bwMode="auto">
           <a:xfrm>
-            <a:off x="7211292" y="327998"/>
+            <a:off x="10798552" y="1721645"/>
             <a:ext cx="0" cy="872837"/>
           </a:xfrm>
           <a:prstGeom prst="straightConnector1">
@@ -7309,7 +7329,7 @@
         </p:nvGrpSpPr>
         <p:grpSpPr>
           <a:xfrm>
-            <a:off x="935181" y="764417"/>
+            <a:off x="4522441" y="2158063"/>
             <a:ext cx="7813964" cy="1896920"/>
             <a:chOff x="935181" y="764417"/>
             <a:chExt cx="7813964" cy="1896920"/>
@@ -7345,14 +7365,14 @@
                 <a:t>e</a:t>
               </a:r>
               <a:r>
-                <a:rPr lang="fr-FR" sz="9600" dirty="0" err="1" smtClean="0">
+                <a:rPr lang="fr-FR" sz="9600" dirty="0" err="1">
                   <a:latin typeface="Courier New" panose="02070309020205020404" pitchFamily="49" charset="0"/>
                   <a:cs typeface="Courier New" panose="02070309020205020404" pitchFamily="49" charset="0"/>
                 </a:rPr>
                 <a:t>gg</a:t>
               </a:r>
               <a:r>
-                <a:rPr lang="fr-FR" sz="9600" dirty="0" smtClean="0">
+                <a:rPr lang="fr-FR" sz="9600" dirty="0">
                   <a:latin typeface="Courier New" panose="02070309020205020404" pitchFamily="49" charset="0"/>
                   <a:cs typeface="Courier New" panose="02070309020205020404" pitchFamily="49" charset="0"/>
                 </a:rPr>
@@ -7388,7 +7408,7 @@
             <a:lstStyle/>
             <a:p>
               <a:r>
-                <a:rPr lang="fr-FR" dirty="0" smtClean="0">
+                <a:rPr lang="fr-FR" dirty="0">
                   <a:solidFill>
                     <a:srgbClr val="FF0000"/>
                   </a:solidFill>
@@ -7416,8 +7436,8 @@
         </p:nvSpPr>
         <p:spPr>
           <a:xfrm>
-            <a:off x="71933" y="3404117"/>
-            <a:ext cx="797169" cy="461665"/>
+            <a:off x="287473" y="1287270"/>
+            <a:ext cx="942650" cy="584775"/>
           </a:xfrm>
           <a:prstGeom prst="rect">
             <a:avLst/>
@@ -7431,13 +7451,13 @@
           <a:lstStyle/>
           <a:p>
             <a:r>
-              <a:rPr lang="fr-FR" dirty="0">
+              <a:rPr lang="fr-FR" sz="3200" dirty="0">
                 <a:latin typeface="Courier New" panose="02070309020205020404" pitchFamily="49" charset="0"/>
                 <a:cs typeface="Courier New" panose="02070309020205020404" pitchFamily="49" charset="0"/>
               </a:rPr>
               <a:t>&gt;&gt;&gt;</a:t>
             </a:r>
-            <a:endParaRPr lang="fr-FR" dirty="0"/>
+            <a:endParaRPr lang="fr-FR" sz="3200" dirty="0"/>
           </a:p>
         </p:txBody>
       </p:sp>
@@ -7449,8 +7469,8 @@
         </p:nvSpPr>
         <p:spPr>
           <a:xfrm>
-            <a:off x="67937" y="2661337"/>
-            <a:ext cx="797169" cy="461665"/>
+            <a:off x="276550" y="287958"/>
+            <a:ext cx="942650" cy="584775"/>
           </a:xfrm>
           <a:prstGeom prst="rect">
             <a:avLst/>
@@ -7464,13 +7484,13 @@
           <a:lstStyle/>
           <a:p>
             <a:r>
-              <a:rPr lang="fr-FR" dirty="0">
+              <a:rPr lang="fr-FR" sz="3200" dirty="0">
                 <a:latin typeface="Courier New" panose="02070309020205020404" pitchFamily="49" charset="0"/>
                 <a:cs typeface="Courier New" panose="02070309020205020404" pitchFamily="49" charset="0"/>
               </a:rPr>
               <a:t>&gt;&gt;&gt;</a:t>
             </a:r>
-            <a:endParaRPr lang="fr-FR" dirty="0"/>
+            <a:endParaRPr lang="fr-FR" sz="3200" dirty="0"/>
           </a:p>
         </p:txBody>
       </p:sp>
@@ -7482,8 +7502,8 @@
         </p:nvSpPr>
         <p:spPr>
           <a:xfrm>
-            <a:off x="71932" y="4882378"/>
-            <a:ext cx="797169" cy="461665"/>
+            <a:off x="276550" y="3234545"/>
+            <a:ext cx="942650" cy="584775"/>
           </a:xfrm>
           <a:prstGeom prst="rect">
             <a:avLst/>
@@ -7497,13 +7517,13 @@
           <a:lstStyle/>
           <a:p>
             <a:r>
-              <a:rPr lang="fr-FR" dirty="0">
+              <a:rPr lang="fr-FR" sz="3200" dirty="0">
                 <a:latin typeface="Courier New" panose="02070309020205020404" pitchFamily="49" charset="0"/>
                 <a:cs typeface="Courier New" panose="02070309020205020404" pitchFamily="49" charset="0"/>
               </a:rPr>
               <a:t>&gt;&gt;&gt;</a:t>
             </a:r>
-            <a:endParaRPr lang="fr-FR" dirty="0"/>
+            <a:endParaRPr lang="fr-FR" sz="3200" dirty="0"/>
           </a:p>
         </p:txBody>
       </p:sp>
@@ -7515,8 +7535,8 @@
         </p:nvSpPr>
         <p:spPr>
           <a:xfrm>
-            <a:off x="39430" y="4148766"/>
-            <a:ext cx="797169" cy="461665"/>
+            <a:off x="276550" y="2241595"/>
+            <a:ext cx="942650" cy="584775"/>
           </a:xfrm>
           <a:prstGeom prst="rect">
             <a:avLst/>
@@ -7530,13 +7550,13 @@
           <a:lstStyle/>
           <a:p>
             <a:r>
-              <a:rPr lang="fr-FR" dirty="0">
+              <a:rPr lang="fr-FR" sz="3200" dirty="0">
                 <a:latin typeface="Courier New" panose="02070309020205020404" pitchFamily="49" charset="0"/>
                 <a:cs typeface="Courier New" panose="02070309020205020404" pitchFamily="49" charset="0"/>
               </a:rPr>
               <a:t>&gt;&gt;&gt;</a:t>
             </a:r>
-            <a:endParaRPr lang="fr-FR" dirty="0"/>
+            <a:endParaRPr lang="fr-FR" sz="3200" dirty="0"/>
           </a:p>
         </p:txBody>
       </p:sp>
@@ -8559,8 +8579,8 @@
         </p:nvSpPr>
         <p:spPr>
           <a:xfrm>
-            <a:off x="0" y="2661337"/>
-            <a:ext cx="8541327" cy="4154984"/>
+            <a:off x="234463" y="269830"/>
+            <a:ext cx="9577752" cy="6001643"/>
           </a:xfrm>
           <a:prstGeom prst="rect">
             <a:avLst/>
@@ -8574,14 +8594,14 @@
           <a:lstStyle/>
           <a:p>
             <a:r>
-              <a:rPr lang="fr-FR" dirty="0">
+              <a:rPr lang="fr-FR" sz="3200" dirty="0">
                 <a:latin typeface="Courier New" panose="02070309020205020404" pitchFamily="49" charset="0"/>
                 <a:cs typeface="Courier New" panose="02070309020205020404" pitchFamily="49" charset="0"/>
               </a:rPr>
               <a:t> </a:t>
             </a:r>
             <a:r>
-              <a:rPr lang="fr-FR" dirty="0" smtClean="0">
+              <a:rPr lang="fr-FR" sz="3200" dirty="0">
                 <a:latin typeface="Courier New" panose="02070309020205020404" pitchFamily="49" charset="0"/>
                 <a:cs typeface="Courier New" panose="02070309020205020404" pitchFamily="49" charset="0"/>
               </a:rPr>
@@ -8590,14 +8610,14 @@
           </a:p>
           <a:p>
             <a:r>
-              <a:rPr lang="en-US" dirty="0" err="1">
+              <a:rPr lang="en-US" sz="3200" dirty="0" err="1">
                 <a:latin typeface="Courier New" panose="02070309020205020404" pitchFamily="49" charset="0"/>
                 <a:cs typeface="Courier New" panose="02070309020205020404" pitchFamily="49" charset="0"/>
               </a:rPr>
               <a:t>Traceback</a:t>
             </a:r>
             <a:r>
-              <a:rPr lang="en-US" dirty="0">
+              <a:rPr lang="en-US" sz="3200" dirty="0">
                 <a:latin typeface="Courier New" panose="02070309020205020404" pitchFamily="49" charset="0"/>
                 <a:cs typeface="Courier New" panose="02070309020205020404" pitchFamily="49" charset="0"/>
               </a:rPr>
@@ -8606,7 +8626,7 @@
           </a:p>
           <a:p>
             <a:r>
-              <a:rPr lang="en-US" dirty="0">
+              <a:rPr lang="en-US" sz="3200" dirty="0">
                 <a:latin typeface="Courier New" panose="02070309020205020404" pitchFamily="49" charset="0"/>
                 <a:cs typeface="Courier New" panose="02070309020205020404" pitchFamily="49" charset="0"/>
               </a:rPr>
@@ -8615,7 +8635,7 @@
           </a:p>
           <a:p>
             <a:r>
-              <a:rPr lang="en-US" dirty="0">
+              <a:rPr lang="en-US" sz="3200" dirty="0">
                 <a:latin typeface="Courier New" panose="02070309020205020404" pitchFamily="49" charset="0"/>
                 <a:cs typeface="Courier New" panose="02070309020205020404" pitchFamily="49" charset="0"/>
               </a:rPr>
@@ -8624,21 +8644,21 @@
           </a:p>
           <a:p>
             <a:r>
-              <a:rPr lang="en-US" dirty="0" err="1">
+              <a:rPr lang="en-US" sz="3200" dirty="0" err="1">
                 <a:latin typeface="Courier New" panose="02070309020205020404" pitchFamily="49" charset="0"/>
                 <a:cs typeface="Courier New" panose="02070309020205020404" pitchFamily="49" charset="0"/>
               </a:rPr>
               <a:t>IndexError</a:t>
             </a:r>
             <a:r>
-              <a:rPr lang="en-US" dirty="0">
+              <a:rPr lang="en-US" sz="3200" dirty="0">
                 <a:latin typeface="Courier New" panose="02070309020205020404" pitchFamily="49" charset="0"/>
                 <a:cs typeface="Courier New" panose="02070309020205020404" pitchFamily="49" charset="0"/>
               </a:rPr>
               <a:t>: string index out of </a:t>
             </a:r>
             <a:r>
-              <a:rPr lang="en-US" dirty="0" smtClean="0">
+              <a:rPr lang="en-US" sz="3200" dirty="0">
                 <a:latin typeface="Courier New" panose="02070309020205020404" pitchFamily="49" charset="0"/>
                 <a:cs typeface="Courier New" panose="02070309020205020404" pitchFamily="49" charset="0"/>
               </a:rPr>
@@ -8646,21 +8666,21 @@
             </a:r>
           </a:p>
           <a:p>
-            <a:endParaRPr lang="fr-FR" dirty="0" smtClean="0">
+            <a:endParaRPr lang="fr-FR" sz="3200" dirty="0">
               <a:latin typeface="Courier New" panose="02070309020205020404" pitchFamily="49" charset="0"/>
               <a:cs typeface="Courier New" panose="02070309020205020404" pitchFamily="49" charset="0"/>
             </a:endParaRPr>
           </a:p>
           <a:p>
             <a:r>
-              <a:rPr lang="fr-FR" dirty="0">
+              <a:rPr lang="fr-FR" sz="3200" dirty="0">
                 <a:latin typeface="Courier New" panose="02070309020205020404" pitchFamily="49" charset="0"/>
                 <a:cs typeface="Courier New" panose="02070309020205020404" pitchFamily="49" charset="0"/>
               </a:rPr>
               <a:t> </a:t>
             </a:r>
             <a:r>
-              <a:rPr lang="fr-FR" dirty="0" smtClean="0">
+              <a:rPr lang="fr-FR" sz="3200" dirty="0">
                 <a:latin typeface="Courier New" panose="02070309020205020404" pitchFamily="49" charset="0"/>
                 <a:cs typeface="Courier New" panose="02070309020205020404" pitchFamily="49" charset="0"/>
               </a:rPr>
@@ -8669,7 +8689,7 @@
           </a:p>
           <a:p>
             <a:r>
-              <a:rPr lang="fr-FR" dirty="0" smtClean="0">
+              <a:rPr lang="fr-FR" sz="3200" dirty="0">
                 <a:latin typeface="Courier New" panose="02070309020205020404" pitchFamily="49" charset="0"/>
                 <a:cs typeface="Courier New" panose="02070309020205020404" pitchFamily="49" charset="0"/>
               </a:rPr>
@@ -8678,14 +8698,14 @@
           </a:p>
           <a:p>
             <a:r>
-              <a:rPr lang="fr-FR" dirty="0">
+              <a:rPr lang="fr-FR" sz="3200" dirty="0">
                 <a:latin typeface="Courier New" panose="02070309020205020404" pitchFamily="49" charset="0"/>
                 <a:cs typeface="Courier New" panose="02070309020205020404" pitchFamily="49" charset="0"/>
               </a:rPr>
               <a:t> </a:t>
             </a:r>
             <a:r>
-              <a:rPr lang="fr-FR" dirty="0" smtClean="0">
+              <a:rPr lang="fr-FR" sz="3200" dirty="0">
                 <a:latin typeface="Courier New" panose="02070309020205020404" pitchFamily="49" charset="0"/>
                 <a:cs typeface="Courier New" panose="02070309020205020404" pitchFamily="49" charset="0"/>
               </a:rPr>
@@ -8694,7 +8714,7 @@
           </a:p>
           <a:p>
             <a:r>
-              <a:rPr lang="fr-FR" dirty="0" smtClean="0">
+              <a:rPr lang="fr-FR" sz="3200" dirty="0">
                 <a:latin typeface="Courier New" panose="02070309020205020404" pitchFamily="49" charset="0"/>
                 <a:cs typeface="Courier New" panose="02070309020205020404" pitchFamily="49" charset="0"/>
               </a:rPr>
@@ -8703,13 +8723,13 @@
           </a:p>
           <a:p>
             <a:r>
-              <a:rPr lang="fr-FR" dirty="0" smtClean="0">
+              <a:rPr lang="fr-FR" sz="3200" dirty="0">
                 <a:latin typeface="Courier New" panose="02070309020205020404" pitchFamily="49" charset="0"/>
                 <a:cs typeface="Courier New" panose="02070309020205020404" pitchFamily="49" charset="0"/>
               </a:rPr>
               <a:t> </a:t>
             </a:r>
-            <a:endParaRPr lang="fr-FR" dirty="0">
+            <a:endParaRPr lang="fr-FR" sz="3200" dirty="0">
               <a:latin typeface="Courier New" panose="02070309020205020404" pitchFamily="49" charset="0"/>
               <a:cs typeface="Courier New" panose="02070309020205020404" pitchFamily="49" charset="0"/>
             </a:endParaRPr>
@@ -8724,7 +8744,7 @@
         </p:nvGrpSpPr>
         <p:grpSpPr>
           <a:xfrm>
-            <a:off x="935181" y="764417"/>
+            <a:off x="4378036" y="2918958"/>
             <a:ext cx="7813964" cy="1896920"/>
             <a:chOff x="935181" y="764417"/>
             <a:chExt cx="7813964" cy="1896920"/>
@@ -8760,14 +8780,14 @@
                 <a:t>e</a:t>
               </a:r>
               <a:r>
-                <a:rPr lang="fr-FR" sz="9600" dirty="0" err="1" smtClean="0">
+                <a:rPr lang="fr-FR" sz="9600" dirty="0" err="1">
                   <a:latin typeface="Courier New" panose="02070309020205020404" pitchFamily="49" charset="0"/>
                   <a:cs typeface="Courier New" panose="02070309020205020404" pitchFamily="49" charset="0"/>
                 </a:rPr>
                 <a:t>gg</a:t>
               </a:r>
               <a:r>
-                <a:rPr lang="fr-FR" sz="9600" dirty="0" smtClean="0">
+                <a:rPr lang="fr-FR" sz="9600" dirty="0">
                   <a:latin typeface="Courier New" panose="02070309020205020404" pitchFamily="49" charset="0"/>
                   <a:cs typeface="Courier New" panose="02070309020205020404" pitchFamily="49" charset="0"/>
                 </a:rPr>
@@ -8803,7 +8823,7 @@
             <a:lstStyle/>
             <a:p>
               <a:r>
-                <a:rPr lang="fr-FR" dirty="0" smtClean="0">
+                <a:rPr lang="fr-FR" dirty="0">
                   <a:solidFill>
                     <a:srgbClr val="FF0000"/>
                   </a:solidFill>
@@ -8831,8 +8851,8 @@
         </p:nvSpPr>
         <p:spPr>
           <a:xfrm>
-            <a:off x="-7461" y="2661337"/>
-            <a:ext cx="797169" cy="461665"/>
+            <a:off x="234463" y="281752"/>
+            <a:ext cx="992198" cy="584775"/>
           </a:xfrm>
           <a:prstGeom prst="rect">
             <a:avLst/>
@@ -8846,13 +8866,13 @@
           <a:lstStyle/>
           <a:p>
             <a:r>
-              <a:rPr lang="fr-FR" dirty="0">
+              <a:rPr lang="fr-FR" sz="3200" dirty="0">
                 <a:latin typeface="Courier New" panose="02070309020205020404" pitchFamily="49" charset="0"/>
                 <a:cs typeface="Courier New" panose="02070309020205020404" pitchFamily="49" charset="0"/>
               </a:rPr>
               <a:t>&gt;&gt;&gt;</a:t>
             </a:r>
-            <a:endParaRPr lang="fr-FR" dirty="0"/>
+            <a:endParaRPr lang="fr-FR" sz="3200" dirty="0"/>
           </a:p>
         </p:txBody>
       </p:sp>
@@ -8864,8 +8884,8 @@
         </p:nvSpPr>
         <p:spPr>
           <a:xfrm>
-            <a:off x="0" y="4885690"/>
-            <a:ext cx="797169" cy="461665"/>
+            <a:off x="234463" y="3703788"/>
+            <a:ext cx="992198" cy="584775"/>
           </a:xfrm>
           <a:prstGeom prst="rect">
             <a:avLst/>
@@ -8879,13 +8899,13 @@
           <a:lstStyle/>
           <a:p>
             <a:r>
-              <a:rPr lang="fr-FR" dirty="0">
+              <a:rPr lang="fr-FR" sz="3200" dirty="0">
                 <a:latin typeface="Courier New" panose="02070309020205020404" pitchFamily="49" charset="0"/>
                 <a:cs typeface="Courier New" panose="02070309020205020404" pitchFamily="49" charset="0"/>
               </a:rPr>
               <a:t>&gt;&gt;&gt;</a:t>
             </a:r>
-            <a:endParaRPr lang="fr-FR" dirty="0"/>
+            <a:endParaRPr lang="fr-FR" sz="3200" dirty="0"/>
           </a:p>
         </p:txBody>
       </p:sp>
@@ -8897,8 +8917,8 @@
         </p:nvSpPr>
         <p:spPr>
           <a:xfrm>
-            <a:off x="0" y="5620172"/>
-            <a:ext cx="797169" cy="461665"/>
+            <a:off x="234463" y="4670326"/>
+            <a:ext cx="992198" cy="584775"/>
           </a:xfrm>
           <a:prstGeom prst="rect">
             <a:avLst/>
@@ -8912,13 +8932,13 @@
           <a:lstStyle/>
           <a:p>
             <a:r>
-              <a:rPr lang="fr-FR" dirty="0">
+              <a:rPr lang="fr-FR" sz="3200" dirty="0">
                 <a:latin typeface="Courier New" panose="02070309020205020404" pitchFamily="49" charset="0"/>
                 <a:cs typeface="Courier New" panose="02070309020205020404" pitchFamily="49" charset="0"/>
               </a:rPr>
               <a:t>&gt;&gt;&gt;</a:t>
             </a:r>
-            <a:endParaRPr lang="fr-FR" dirty="0"/>
+            <a:endParaRPr lang="fr-FR" sz="3200" dirty="0"/>
           </a:p>
         </p:txBody>
       </p:sp>
@@ -9493,8 +9513,8 @@
         </p:nvSpPr>
         <p:spPr>
           <a:xfrm>
-            <a:off x="0" y="2661337"/>
-            <a:ext cx="8541327" cy="4524315"/>
+            <a:off x="169715" y="0"/>
+            <a:ext cx="8541327" cy="6001643"/>
           </a:xfrm>
           <a:prstGeom prst="rect">
             <a:avLst/>
@@ -9507,21 +9527,21 @@
           </a:bodyPr>
           <a:lstStyle/>
           <a:p>
-            <a:endParaRPr lang="fr-FR" dirty="0" smtClean="0">
+            <a:endParaRPr lang="fr-FR" sz="3200" dirty="0">
               <a:latin typeface="Courier New" panose="02070309020205020404" pitchFamily="49" charset="0"/>
               <a:cs typeface="Courier New" panose="02070309020205020404" pitchFamily="49" charset="0"/>
             </a:endParaRPr>
           </a:p>
           <a:p>
             <a:r>
-              <a:rPr lang="fr-FR" dirty="0">
+              <a:rPr lang="fr-FR" sz="3200" dirty="0">
                 <a:latin typeface="Courier New" panose="02070309020205020404" pitchFamily="49" charset="0"/>
                 <a:cs typeface="Courier New" panose="02070309020205020404" pitchFamily="49" charset="0"/>
               </a:rPr>
               <a:t> </a:t>
             </a:r>
             <a:r>
-              <a:rPr lang="fr-FR" dirty="0" smtClean="0">
+              <a:rPr lang="fr-FR" sz="3200" dirty="0">
                 <a:latin typeface="Courier New" panose="02070309020205020404" pitchFamily="49" charset="0"/>
                 <a:cs typeface="Courier New" panose="02070309020205020404" pitchFamily="49" charset="0"/>
               </a:rPr>
@@ -9530,21 +9550,21 @@
           </a:p>
           <a:p>
             <a:r>
-              <a:rPr lang="fr-FR" dirty="0" smtClean="0">
+              <a:rPr lang="fr-FR" sz="3200" dirty="0">
                 <a:latin typeface="Courier New" panose="02070309020205020404" pitchFamily="49" charset="0"/>
                 <a:cs typeface="Courier New" panose="02070309020205020404" pitchFamily="49" charset="0"/>
               </a:rPr>
               <a:t>'</a:t>
             </a:r>
             <a:r>
-              <a:rPr lang="fr-FR" dirty="0" err="1" smtClean="0">
+              <a:rPr lang="fr-FR" sz="3200" dirty="0" err="1">
                 <a:latin typeface="Courier New" panose="02070309020205020404" pitchFamily="49" charset="0"/>
                 <a:cs typeface="Courier New" panose="02070309020205020404" pitchFamily="49" charset="0"/>
               </a:rPr>
               <a:t>egg</a:t>
             </a:r>
             <a:r>
-              <a:rPr lang="fr-FR" dirty="0" smtClean="0">
+              <a:rPr lang="fr-FR" sz="3200" dirty="0">
                 <a:latin typeface="Courier New" panose="02070309020205020404" pitchFamily="49" charset="0"/>
                 <a:cs typeface="Courier New" panose="02070309020205020404" pitchFamily="49" charset="0"/>
               </a:rPr>
@@ -9553,14 +9573,14 @@
           </a:p>
           <a:p>
             <a:r>
-              <a:rPr lang="fr-FR" dirty="0">
+              <a:rPr lang="fr-FR" sz="3200" dirty="0">
                 <a:latin typeface="Courier New" panose="02070309020205020404" pitchFamily="49" charset="0"/>
                 <a:cs typeface="Courier New" panose="02070309020205020404" pitchFamily="49" charset="0"/>
               </a:rPr>
               <a:t> </a:t>
             </a:r>
             <a:r>
-              <a:rPr lang="fr-FR" dirty="0" smtClean="0">
+              <a:rPr lang="fr-FR" sz="3200" dirty="0">
                 <a:latin typeface="Courier New" panose="02070309020205020404" pitchFamily="49" charset="0"/>
                 <a:cs typeface="Courier New" panose="02070309020205020404" pitchFamily="49" charset="0"/>
               </a:rPr>
@@ -9569,35 +9589,35 @@
           </a:p>
           <a:p>
             <a:r>
-              <a:rPr lang="fr-FR" dirty="0">
+              <a:rPr lang="fr-FR" sz="3200" dirty="0">
                 <a:latin typeface="Courier New" panose="02070309020205020404" pitchFamily="49" charset="0"/>
                 <a:cs typeface="Courier New" panose="02070309020205020404" pitchFamily="49" charset="0"/>
               </a:rPr>
               <a:t>'</a:t>
             </a:r>
             <a:r>
-              <a:rPr lang="fr-FR" dirty="0" err="1">
+              <a:rPr lang="fr-FR" sz="3200" dirty="0" err="1">
                 <a:latin typeface="Courier New" panose="02070309020205020404" pitchFamily="49" charset="0"/>
                 <a:cs typeface="Courier New" panose="02070309020205020404" pitchFamily="49" charset="0"/>
               </a:rPr>
               <a:t>egg</a:t>
             </a:r>
             <a:r>
-              <a:rPr lang="fr-FR" dirty="0">
+              <a:rPr lang="fr-FR" sz="3200" dirty="0">
                 <a:latin typeface="Courier New" panose="02070309020205020404" pitchFamily="49" charset="0"/>
                 <a:cs typeface="Courier New" panose="02070309020205020404" pitchFamily="49" charset="0"/>
               </a:rPr>
               <a:t>, </a:t>
             </a:r>
             <a:r>
-              <a:rPr lang="fr-FR" dirty="0" err="1" smtClean="0">
+              <a:rPr lang="fr-FR" sz="3200" dirty="0" err="1">
                 <a:latin typeface="Courier New" panose="02070309020205020404" pitchFamily="49" charset="0"/>
                 <a:cs typeface="Courier New" panose="02070309020205020404" pitchFamily="49" charset="0"/>
               </a:rPr>
               <a:t>ba</a:t>
             </a:r>
             <a:r>
-              <a:rPr lang="fr-FR" dirty="0" smtClean="0">
+              <a:rPr lang="fr-FR" sz="3200" dirty="0">
                 <a:latin typeface="Courier New" panose="02070309020205020404" pitchFamily="49" charset="0"/>
                 <a:cs typeface="Courier New" panose="02070309020205020404" pitchFamily="49" charset="0"/>
               </a:rPr>
@@ -9606,14 +9626,14 @@
           </a:p>
           <a:p>
             <a:r>
-              <a:rPr lang="fr-FR" dirty="0">
+              <a:rPr lang="fr-FR" sz="3200" dirty="0">
                 <a:latin typeface="Courier New" panose="02070309020205020404" pitchFamily="49" charset="0"/>
                 <a:cs typeface="Courier New" panose="02070309020205020404" pitchFamily="49" charset="0"/>
               </a:rPr>
               <a:t> </a:t>
             </a:r>
             <a:r>
-              <a:rPr lang="fr-FR" dirty="0" smtClean="0">
+              <a:rPr lang="fr-FR" sz="3200" dirty="0">
                 <a:latin typeface="Courier New" panose="02070309020205020404" pitchFamily="49" charset="0"/>
                 <a:cs typeface="Courier New" panose="02070309020205020404" pitchFamily="49" charset="0"/>
               </a:rPr>
@@ -9622,55 +9642,55 @@
           </a:p>
           <a:p>
             <a:r>
-              <a:rPr lang="fr-FR" dirty="0">
+              <a:rPr lang="fr-FR" sz="3200" dirty="0">
                 <a:latin typeface="Courier New" panose="02070309020205020404" pitchFamily="49" charset="0"/>
                 <a:cs typeface="Courier New" panose="02070309020205020404" pitchFamily="49" charset="0"/>
               </a:rPr>
               <a:t>'</a:t>
             </a:r>
             <a:r>
-              <a:rPr lang="fr-FR" dirty="0" err="1">
+              <a:rPr lang="fr-FR" sz="3200" dirty="0" err="1">
                 <a:latin typeface="Courier New" panose="02070309020205020404" pitchFamily="49" charset="0"/>
                 <a:cs typeface="Courier New" panose="02070309020205020404" pitchFamily="49" charset="0"/>
               </a:rPr>
               <a:t>nocab</a:t>
             </a:r>
             <a:r>
-              <a:rPr lang="fr-FR" dirty="0">
+              <a:rPr lang="fr-FR" sz="3200" dirty="0">
                 <a:latin typeface="Courier New" panose="02070309020205020404" pitchFamily="49" charset="0"/>
                 <a:cs typeface="Courier New" panose="02070309020205020404" pitchFamily="49" charset="0"/>
               </a:rPr>
               <a:t> ,</a:t>
             </a:r>
             <a:r>
-              <a:rPr lang="fr-FR" dirty="0" err="1" smtClean="0">
+              <a:rPr lang="fr-FR" sz="3200" dirty="0" err="1">
                 <a:latin typeface="Courier New" panose="02070309020205020404" pitchFamily="49" charset="0"/>
                 <a:cs typeface="Courier New" panose="02070309020205020404" pitchFamily="49" charset="0"/>
               </a:rPr>
               <a:t>gge</a:t>
             </a:r>
             <a:r>
-              <a:rPr lang="fr-FR" dirty="0">
+              <a:rPr lang="fr-FR" sz="3200" dirty="0">
                 <a:latin typeface="Courier New" panose="02070309020205020404" pitchFamily="49" charset="0"/>
                 <a:cs typeface="Courier New" panose="02070309020205020404" pitchFamily="49" charset="0"/>
               </a:rPr>
               <a:t>'</a:t>
             </a:r>
-            <a:endParaRPr lang="fr-FR" dirty="0" smtClean="0">
+            <a:endParaRPr lang="fr-FR" sz="3200" dirty="0">
               <a:latin typeface="Courier New" panose="02070309020205020404" pitchFamily="49" charset="0"/>
               <a:cs typeface="Courier New" panose="02070309020205020404" pitchFamily="49" charset="0"/>
             </a:endParaRPr>
           </a:p>
           <a:p>
             <a:r>
-              <a:rPr lang="fr-FR" dirty="0">
+              <a:rPr lang="fr-FR" sz="3200" dirty="0">
                 <a:latin typeface="Courier New" panose="02070309020205020404" pitchFamily="49" charset="0"/>
                 <a:cs typeface="Courier New" panose="02070309020205020404" pitchFamily="49" charset="0"/>
               </a:rPr>
               <a:t> </a:t>
             </a:r>
             <a:r>
-              <a:rPr lang="fr-FR" dirty="0" smtClean="0">
+              <a:rPr lang="fr-FR" sz="3200" dirty="0">
                 <a:latin typeface="Courier New" panose="02070309020205020404" pitchFamily="49" charset="0"/>
                 <a:cs typeface="Courier New" panose="02070309020205020404" pitchFamily="49" charset="0"/>
               </a:rPr>
@@ -9679,21 +9699,21 @@
           </a:p>
           <a:p>
             <a:r>
-              <a:rPr lang="fr-FR" dirty="0" smtClean="0">
+              <a:rPr lang="fr-FR" sz="3200" dirty="0">
                 <a:latin typeface="Courier New" panose="02070309020205020404" pitchFamily="49" charset="0"/>
                 <a:cs typeface="Courier New" panose="02070309020205020404" pitchFamily="49" charset="0"/>
               </a:rPr>
               <a:t>'</a:t>
             </a:r>
             <a:r>
-              <a:rPr lang="fr-FR" dirty="0" err="1" smtClean="0">
+              <a:rPr lang="fr-FR" sz="3200" dirty="0" err="1">
                 <a:latin typeface="Courier New" panose="02070309020205020404" pitchFamily="49" charset="0"/>
                 <a:cs typeface="Courier New" panose="02070309020205020404" pitchFamily="49" charset="0"/>
               </a:rPr>
               <a:t>gg</a:t>
             </a:r>
             <a:r>
-              <a:rPr lang="fr-FR" dirty="0" smtClean="0">
+              <a:rPr lang="fr-FR" sz="3200" dirty="0">
                 <a:latin typeface="Courier New" panose="02070309020205020404" pitchFamily="49" charset="0"/>
                 <a:cs typeface="Courier New" panose="02070309020205020404" pitchFamily="49" charset="0"/>
               </a:rPr>
@@ -9702,35 +9722,35 @@
           </a:p>
           <a:p>
             <a:r>
-              <a:rPr lang="fr-FR" dirty="0">
+              <a:rPr lang="fr-FR" sz="3200" dirty="0">
                 <a:latin typeface="Courier New" panose="02070309020205020404" pitchFamily="49" charset="0"/>
                 <a:cs typeface="Courier New" panose="02070309020205020404" pitchFamily="49" charset="0"/>
               </a:rPr>
               <a:t> </a:t>
             </a:r>
             <a:r>
-              <a:rPr lang="fr-FR" dirty="0" smtClean="0">
+              <a:rPr lang="fr-FR" sz="3200" dirty="0">
                 <a:latin typeface="Courier New" panose="02070309020205020404" pitchFamily="49" charset="0"/>
                 <a:cs typeface="Courier New" panose="02070309020205020404" pitchFamily="49" charset="0"/>
               </a:rPr>
               <a:t>   </a:t>
             </a:r>
             <a:r>
-              <a:rPr lang="fr-FR" dirty="0">
+              <a:rPr lang="fr-FR" sz="3200" dirty="0">
                 <a:latin typeface="Courier New" panose="02070309020205020404" pitchFamily="49" charset="0"/>
                 <a:cs typeface="Courier New" panose="02070309020205020404" pitchFamily="49" charset="0"/>
               </a:rPr>
               <a:t>s[2</a:t>
             </a:r>
             <a:r>
-              <a:rPr lang="fr-FR" dirty="0" smtClean="0">
+              <a:rPr lang="fr-FR" sz="3200" dirty="0">
                 <a:latin typeface="Courier New" panose="02070309020205020404" pitchFamily="49" charset="0"/>
                 <a:cs typeface="Courier New" panose="02070309020205020404" pitchFamily="49" charset="0"/>
               </a:rPr>
               <a:t>::-</a:t>
             </a:r>
             <a:r>
-              <a:rPr lang="fr-FR" dirty="0">
+              <a:rPr lang="fr-FR" sz="3200" dirty="0">
                 <a:latin typeface="Courier New" panose="02070309020205020404" pitchFamily="49" charset="0"/>
                 <a:cs typeface="Courier New" panose="02070309020205020404" pitchFamily="49" charset="0"/>
               </a:rPr>
@@ -9739,21 +9759,21 @@
           </a:p>
           <a:p>
             <a:r>
-              <a:rPr lang="fr-FR" dirty="0">
+              <a:rPr lang="fr-FR" sz="3200" dirty="0">
                 <a:latin typeface="Courier New" panose="02070309020205020404" pitchFamily="49" charset="0"/>
                 <a:cs typeface="Courier New" panose="02070309020205020404" pitchFamily="49" charset="0"/>
               </a:rPr>
               <a:t>'</a:t>
             </a:r>
             <a:r>
-              <a:rPr lang="fr-FR" dirty="0" err="1">
+              <a:rPr lang="fr-FR" sz="3200" dirty="0" err="1">
                 <a:latin typeface="Courier New" panose="02070309020205020404" pitchFamily="49" charset="0"/>
                 <a:cs typeface="Courier New" panose="02070309020205020404" pitchFamily="49" charset="0"/>
               </a:rPr>
               <a:t>gge</a:t>
             </a:r>
             <a:r>
-              <a:rPr lang="fr-FR" dirty="0">
+              <a:rPr lang="fr-FR" sz="3200" dirty="0">
                 <a:latin typeface="Courier New" panose="02070309020205020404" pitchFamily="49" charset="0"/>
                 <a:cs typeface="Courier New" panose="02070309020205020404" pitchFamily="49" charset="0"/>
               </a:rPr>
@@ -9761,7 +9781,7 @@
             </a:r>
           </a:p>
           <a:p>
-            <a:endParaRPr lang="fr-FR" dirty="0">
+            <a:endParaRPr lang="fr-FR" sz="3200" dirty="0">
               <a:latin typeface="Courier New" panose="02070309020205020404" pitchFamily="49" charset="0"/>
               <a:cs typeface="Courier New" panose="02070309020205020404" pitchFamily="49" charset="0"/>
             </a:endParaRPr>
@@ -9776,7 +9796,7 @@
         </p:nvCxnSpPr>
         <p:spPr bwMode="auto">
           <a:xfrm>
-            <a:off x="2825261" y="244053"/>
+            <a:off x="6268116" y="1803223"/>
             <a:ext cx="0" cy="872837"/>
           </a:xfrm>
           <a:prstGeom prst="straightConnector1">
@@ -9803,7 +9823,7 @@
         </p:nvGrpSpPr>
         <p:grpSpPr>
           <a:xfrm>
-            <a:off x="935181" y="764417"/>
+            <a:off x="4378036" y="2323586"/>
             <a:ext cx="7813964" cy="1896920"/>
             <a:chOff x="935181" y="764417"/>
             <a:chExt cx="7813964" cy="1896920"/>
@@ -9839,14 +9859,14 @@
                 <a:t>e</a:t>
               </a:r>
               <a:r>
-                <a:rPr lang="fr-FR" sz="9600" dirty="0" err="1" smtClean="0">
+                <a:rPr lang="fr-FR" sz="9600" dirty="0" err="1">
                   <a:latin typeface="Courier New" panose="02070309020205020404" pitchFamily="49" charset="0"/>
                   <a:cs typeface="Courier New" panose="02070309020205020404" pitchFamily="49" charset="0"/>
                 </a:rPr>
                 <a:t>gg</a:t>
               </a:r>
               <a:r>
-                <a:rPr lang="fr-FR" sz="9600" dirty="0" smtClean="0">
+                <a:rPr lang="fr-FR" sz="9600" dirty="0">
                   <a:latin typeface="Courier New" panose="02070309020205020404" pitchFamily="49" charset="0"/>
                   <a:cs typeface="Courier New" panose="02070309020205020404" pitchFamily="49" charset="0"/>
                 </a:rPr>
@@ -9882,7 +9902,7 @@
             <a:lstStyle/>
             <a:p>
               <a:r>
-                <a:rPr lang="fr-FR" dirty="0" smtClean="0">
+                <a:rPr lang="fr-FR" dirty="0">
                   <a:solidFill>
                     <a:srgbClr val="FF0000"/>
                   </a:solidFill>
@@ -9910,7 +9930,7 @@
         </p:nvSpPr>
         <p:spPr>
           <a:xfrm>
-            <a:off x="831272" y="2599037"/>
+            <a:off x="4274128" y="4158207"/>
             <a:ext cx="7813963" cy="461665"/>
           </a:xfrm>
           <a:prstGeom prst="rect">
@@ -9925,7 +9945,7 @@
           <a:lstStyle/>
           <a:p>
             <a:r>
-              <a:rPr lang="fr-FR" dirty="0" smtClean="0">
+              <a:rPr lang="fr-FR" dirty="0">
                 <a:solidFill>
                   <a:srgbClr val="00B050"/>
                 </a:solidFill>
@@ -9952,7 +9972,7 @@
         </p:nvCxnSpPr>
         <p:spPr bwMode="auto">
           <a:xfrm>
-            <a:off x="1324708" y="244053"/>
+            <a:off x="4767563" y="1803223"/>
             <a:ext cx="0" cy="872837"/>
           </a:xfrm>
           <a:prstGeom prst="straightConnector1">
@@ -9979,8 +9999,8 @@
         </p:nvSpPr>
         <p:spPr>
           <a:xfrm>
-            <a:off x="62877" y="3791367"/>
-            <a:ext cx="797169" cy="461665"/>
+            <a:off x="248569" y="1510833"/>
+            <a:ext cx="951439" cy="584775"/>
           </a:xfrm>
           <a:prstGeom prst="rect">
             <a:avLst/>
@@ -9994,13 +10014,13 @@
           <a:lstStyle/>
           <a:p>
             <a:r>
-              <a:rPr lang="fr-FR" dirty="0">
+              <a:rPr lang="fr-FR" sz="3200" dirty="0">
                 <a:latin typeface="Courier New" panose="02070309020205020404" pitchFamily="49" charset="0"/>
                 <a:cs typeface="Courier New" panose="02070309020205020404" pitchFamily="49" charset="0"/>
               </a:rPr>
               <a:t>&gt;&gt;&gt;</a:t>
             </a:r>
-            <a:endParaRPr lang="fr-FR" dirty="0"/>
+            <a:endParaRPr lang="fr-FR" sz="3200" dirty="0"/>
           </a:p>
         </p:txBody>
       </p:sp>
@@ -10012,8 +10032,8 @@
         </p:nvSpPr>
         <p:spPr>
           <a:xfrm>
-            <a:off x="34103" y="3048136"/>
-            <a:ext cx="797169" cy="461665"/>
+            <a:off x="248568" y="501736"/>
+            <a:ext cx="951439" cy="584775"/>
           </a:xfrm>
           <a:prstGeom prst="rect">
             <a:avLst/>
@@ -10027,13 +10047,13 @@
           <a:lstStyle/>
           <a:p>
             <a:r>
-              <a:rPr lang="fr-FR" dirty="0">
+              <a:rPr lang="fr-FR" sz="3200" dirty="0">
                 <a:latin typeface="Courier New" panose="02070309020205020404" pitchFamily="49" charset="0"/>
                 <a:cs typeface="Courier New" panose="02070309020205020404" pitchFamily="49" charset="0"/>
               </a:rPr>
               <a:t>&gt;&gt;&gt;</a:t>
             </a:r>
-            <a:endParaRPr lang="fr-FR" dirty="0"/>
+            <a:endParaRPr lang="fr-FR" sz="3200" dirty="0"/>
           </a:p>
         </p:txBody>
       </p:sp>
@@ -10045,8 +10065,8 @@
         </p:nvSpPr>
         <p:spPr>
           <a:xfrm>
-            <a:off x="62877" y="5224785"/>
-            <a:ext cx="797169" cy="461665"/>
+            <a:off x="254168" y="3379942"/>
+            <a:ext cx="951439" cy="584775"/>
           </a:xfrm>
           <a:prstGeom prst="rect">
             <a:avLst/>
@@ -10060,13 +10080,13 @@
           <a:lstStyle/>
           <a:p>
             <a:r>
-              <a:rPr lang="fr-FR" dirty="0">
+              <a:rPr lang="fr-FR" sz="3200" dirty="0">
                 <a:latin typeface="Courier New" panose="02070309020205020404" pitchFamily="49" charset="0"/>
                 <a:cs typeface="Courier New" panose="02070309020205020404" pitchFamily="49" charset="0"/>
               </a:rPr>
               <a:t>&gt;&gt;&gt;</a:t>
             </a:r>
-            <a:endParaRPr lang="fr-FR" dirty="0"/>
+            <a:endParaRPr lang="fr-FR" sz="3200" dirty="0"/>
           </a:p>
         </p:txBody>
       </p:sp>
@@ -10078,8 +10098,8 @@
         </p:nvSpPr>
         <p:spPr>
           <a:xfrm>
-            <a:off x="62877" y="4508076"/>
-            <a:ext cx="797169" cy="461665"/>
+            <a:off x="248569" y="2467146"/>
+            <a:ext cx="951439" cy="584775"/>
           </a:xfrm>
           <a:prstGeom prst="rect">
             <a:avLst/>
@@ -10093,13 +10113,13 @@
           <a:lstStyle/>
           <a:p>
             <a:r>
-              <a:rPr lang="fr-FR" dirty="0">
+              <a:rPr lang="fr-FR" sz="3200" dirty="0">
                 <a:latin typeface="Courier New" panose="02070309020205020404" pitchFamily="49" charset="0"/>
                 <a:cs typeface="Courier New" panose="02070309020205020404" pitchFamily="49" charset="0"/>
               </a:rPr>
               <a:t>&gt;&gt;&gt;</a:t>
             </a:r>
-            <a:endParaRPr lang="fr-FR" dirty="0"/>
+            <a:endParaRPr lang="fr-FR" sz="3200" dirty="0"/>
           </a:p>
         </p:txBody>
       </p:sp>
@@ -10111,8 +10131,8 @@
         </p:nvSpPr>
         <p:spPr>
           <a:xfrm>
-            <a:off x="62877" y="5974385"/>
-            <a:ext cx="797169" cy="461665"/>
+            <a:off x="254168" y="4389039"/>
+            <a:ext cx="951439" cy="584775"/>
           </a:xfrm>
           <a:prstGeom prst="rect">
             <a:avLst/>
@@ -10126,13 +10146,13 @@
           <a:lstStyle/>
           <a:p>
             <a:r>
-              <a:rPr lang="fr-FR" dirty="0">
+              <a:rPr lang="fr-FR" sz="3200" dirty="0">
                 <a:latin typeface="Courier New" panose="02070309020205020404" pitchFamily="49" charset="0"/>
                 <a:cs typeface="Courier New" panose="02070309020205020404" pitchFamily="49" charset="0"/>
               </a:rPr>
               <a:t>&gt;&gt;&gt;</a:t>
             </a:r>
-            <a:endParaRPr lang="fr-FR" dirty="0"/>
+            <a:endParaRPr lang="fr-FR" sz="3200" dirty="0"/>
           </a:p>
         </p:txBody>
       </p:sp>
@@ -10144,7 +10164,7 @@
         </p:nvCxnSpPr>
         <p:spPr bwMode="auto">
           <a:xfrm>
-            <a:off x="5742177" y="244053"/>
+            <a:off x="9185032" y="1803223"/>
             <a:ext cx="0" cy="872837"/>
           </a:xfrm>
           <a:prstGeom prst="straightConnector1">
@@ -10171,7 +10191,7 @@
         </p:nvCxnSpPr>
         <p:spPr bwMode="auto">
           <a:xfrm flipH="1" flipV="1">
-            <a:off x="901876" y="1185889"/>
+            <a:off x="4344731" y="2745059"/>
             <a:ext cx="7672754" cy="42319"/>
           </a:xfrm>
           <a:prstGeom prst="straightConnector1">
@@ -10198,7 +10218,7 @@
         </p:nvCxnSpPr>
         <p:spPr bwMode="auto">
           <a:xfrm>
-            <a:off x="2825261" y="244052"/>
+            <a:off x="6268116" y="1803222"/>
             <a:ext cx="0" cy="872837"/>
           </a:xfrm>
           <a:prstGeom prst="straightConnector1">
@@ -10225,7 +10245,7 @@
         </p:nvCxnSpPr>
         <p:spPr bwMode="auto">
           <a:xfrm>
-            <a:off x="2049407" y="244051"/>
+            <a:off x="5492262" y="1803221"/>
             <a:ext cx="0" cy="872837"/>
           </a:xfrm>
           <a:prstGeom prst="straightConnector1">
